--- a/docs/images.pptx
+++ b/docs/images.pptx
@@ -8,7 +8,7 @@
     <p:sldId id="256" r:id="rId2"/>
     <p:sldId id="257" r:id="rId3"/>
     <p:sldId id="258" r:id="rId4"/>
-    <p:sldId id="259" r:id="rId5"/>
+    <p:sldId id="260" r:id="rId5"/>
   </p:sldIdLst>
   <p:sldSz cx="12192000" cy="6858000"/>
   <p:notesSz cx="6858000" cy="9144000"/>
@@ -4451,7 +4451,7 @@
         </p:nvSpPr>
         <p:spPr>
           <a:xfrm>
-            <a:off x="1197877" y="1940314"/>
+            <a:off x="1179589" y="1940314"/>
             <a:ext cx="1188146" cy="230832"/>
           </a:xfrm>
           <a:prstGeom prst="rect">
@@ -4500,9 +4500,9 @@
           <p:nvPr/>
         </p:nvCxnSpPr>
         <p:spPr>
-          <a:xfrm flipH="1">
-            <a:off x="1774317" y="2171146"/>
-            <a:ext cx="17633" cy="535478"/>
+          <a:xfrm>
+            <a:off x="1773662" y="2171146"/>
+            <a:ext cx="655" cy="535478"/>
           </a:xfrm>
           <a:prstGeom prst="straightConnector1">
             <a:avLst/>
@@ -9873,898 +9873,12 @@
           <a:chExt cx="0" cy="0"/>
         </a:xfrm>
       </p:grpSpPr>
-      <p:grpSp>
-        <p:nvGrpSpPr>
-          <p:cNvPr id="48" name="Group 47">
-            <a:extLst>
-              <a:ext uri="{FF2B5EF4-FFF2-40B4-BE49-F238E27FC236}">
-                <a16:creationId xmlns:a16="http://schemas.microsoft.com/office/drawing/2014/main" id="{89D62624-5D4E-06DF-62AE-FC5D6BFE3084}"/>
-              </a:ext>
-            </a:extLst>
-          </p:cNvPr>
-          <p:cNvGrpSpPr/>
-          <p:nvPr/>
-        </p:nvGrpSpPr>
-        <p:grpSpPr>
-          <a:xfrm>
-            <a:off x="496381" y="574929"/>
-            <a:ext cx="4231067" cy="5016758"/>
-            <a:chOff x="496381" y="574929"/>
-            <a:chExt cx="4231067" cy="5016758"/>
-          </a:xfrm>
-        </p:grpSpPr>
-        <p:sp>
-          <p:nvSpPr>
-            <p:cNvPr id="16" name="TextBox 15">
-              <a:extLst>
-                <a:ext uri="{FF2B5EF4-FFF2-40B4-BE49-F238E27FC236}">
-                  <a16:creationId xmlns:a16="http://schemas.microsoft.com/office/drawing/2014/main" id="{D7543259-5F7B-15CD-15F3-70DB7C496F62}"/>
-                </a:ext>
-              </a:extLst>
-            </p:cNvPr>
-            <p:cNvSpPr txBox="1"/>
-            <p:nvPr/>
-          </p:nvSpPr>
-          <p:spPr>
-            <a:xfrm>
-              <a:off x="496381" y="574929"/>
-              <a:ext cx="4231067" cy="5016758"/>
-            </a:xfrm>
-            <a:prstGeom prst="rect">
-              <a:avLst/>
-            </a:prstGeom>
-            <a:noFill/>
-          </p:spPr>
-          <p:txBody>
-            <a:bodyPr wrap="square">
-              <a:spAutoFit/>
-            </a:bodyPr>
-            <a:lstStyle/>
-            <a:p>
-              <a:r>
-                <a:rPr lang="en-US" sz="1600" b="0" dirty="0">
-                  <a:solidFill>
-                    <a:srgbClr val="CE9178"/>
-                  </a:solidFill>
-                  <a:effectLst/>
-                  <a:latin typeface="Consolas" panose="020B0609020204030204" pitchFamily="49" charset="0"/>
-                </a:rPr>
-                <a:t>aks-playground</a:t>
-              </a:r>
-              <a:endParaRPr lang="en-US" sz="1600" b="0" dirty="0">
-                <a:solidFill>
-                  <a:srgbClr val="D4D4D4"/>
-                </a:solidFill>
-                <a:effectLst/>
-                <a:latin typeface="Consolas" panose="020B0609020204030204" pitchFamily="49" charset="0"/>
-              </a:endParaRPr>
-            </a:p>
-            <a:p>
-              <a:r>
-                <a:rPr lang="en-US" sz="1600" b="0" dirty="0">
-                  <a:solidFill>
-                    <a:srgbClr val="D4D4D4"/>
-                  </a:solidFill>
-                  <a:effectLst/>
-                  <a:latin typeface="Consolas" panose="020B0609020204030204" pitchFamily="49" charset="0"/>
-                </a:rPr>
-                <a:t>  </a:t>
-              </a:r>
-              <a:r>
-                <a:rPr lang="en-US" sz="1600" b="0" dirty="0">
-                  <a:solidFill>
-                    <a:srgbClr val="CE9178"/>
-                  </a:solidFill>
-                  <a:effectLst/>
-                  <a:latin typeface="Consolas" panose="020B0609020204030204" pitchFamily="49" charset="0"/>
-                </a:rPr>
-                <a:t>infrastructure</a:t>
-              </a:r>
-              <a:endParaRPr lang="en-US" sz="1600" b="0" dirty="0">
-                <a:solidFill>
-                  <a:srgbClr val="D4D4D4"/>
-                </a:solidFill>
-                <a:effectLst/>
-                <a:latin typeface="Consolas" panose="020B0609020204030204" pitchFamily="49" charset="0"/>
-              </a:endParaRPr>
-            </a:p>
-            <a:p>
-              <a:r>
-                <a:rPr lang="en-US" sz="1600" b="0" dirty="0">
-                  <a:solidFill>
-                    <a:srgbClr val="D4D4D4"/>
-                  </a:solidFill>
-                  <a:effectLst/>
-                  <a:latin typeface="Consolas" panose="020B0609020204030204" pitchFamily="49" charset="0"/>
-                </a:rPr>
-                <a:t>    </a:t>
-              </a:r>
-              <a:r>
-                <a:rPr lang="en-US" sz="1600" b="0" dirty="0">
-                  <a:solidFill>
-                    <a:srgbClr val="CE9178"/>
-                  </a:solidFill>
-                  <a:effectLst/>
-                  <a:latin typeface="Consolas" panose="020B0609020204030204" pitchFamily="49" charset="0"/>
-                </a:rPr>
-                <a:t>sources</a:t>
-              </a:r>
-              <a:endParaRPr lang="en-US" sz="1600" b="0" dirty="0">
-                <a:solidFill>
-                  <a:srgbClr val="D4D4D4"/>
-                </a:solidFill>
-                <a:effectLst/>
-                <a:latin typeface="Consolas" panose="020B0609020204030204" pitchFamily="49" charset="0"/>
-              </a:endParaRPr>
-            </a:p>
-            <a:p>
-              <a:r>
-                <a:rPr lang="en-US" sz="1600" b="0" dirty="0">
-                  <a:solidFill>
-                    <a:srgbClr val="D4D4D4"/>
-                  </a:solidFill>
-                  <a:effectLst/>
-                  <a:latin typeface="Consolas" panose="020B0609020204030204" pitchFamily="49" charset="0"/>
-                </a:rPr>
-                <a:t>      </a:t>
-              </a:r>
-              <a:r>
-                <a:rPr lang="en-US" sz="1600" b="0" dirty="0">
-                  <a:solidFill>
-                    <a:srgbClr val="CE9178"/>
-                  </a:solidFill>
-                  <a:effectLst/>
-                  <a:latin typeface="Consolas" panose="020B0609020204030204" pitchFamily="49" charset="0"/>
-                </a:rPr>
-                <a:t>kustomization.yaml</a:t>
-              </a:r>
-              <a:endParaRPr lang="en-US" sz="1600" b="0" dirty="0">
-                <a:solidFill>
-                  <a:srgbClr val="D4D4D4"/>
-                </a:solidFill>
-                <a:effectLst/>
-                <a:latin typeface="Consolas" panose="020B0609020204030204" pitchFamily="49" charset="0"/>
-              </a:endParaRPr>
-            </a:p>
-            <a:p>
-              <a:r>
-                <a:rPr lang="en-US" sz="1600" b="0" dirty="0">
-                  <a:solidFill>
-                    <a:srgbClr val="D4D4D4"/>
-                  </a:solidFill>
-                  <a:effectLst/>
-                  <a:latin typeface="Consolas" panose="020B0609020204030204" pitchFamily="49" charset="0"/>
-                </a:rPr>
-                <a:t>      </a:t>
-              </a:r>
-              <a:r>
-                <a:rPr lang="en-US" sz="1600" b="0" dirty="0">
-                  <a:solidFill>
-                    <a:srgbClr val="CE9178"/>
-                  </a:solidFill>
-                  <a:effectLst/>
-                  <a:latin typeface="Consolas" panose="020B0609020204030204" pitchFamily="49" charset="0"/>
-                </a:rPr>
-                <a:t>webapp.yaml</a:t>
-              </a:r>
-              <a:endParaRPr lang="en-US" sz="1600" b="0" dirty="0">
-                <a:solidFill>
-                  <a:srgbClr val="D4D4D4"/>
-                </a:solidFill>
-                <a:effectLst/>
-                <a:latin typeface="Consolas" panose="020B0609020204030204" pitchFamily="49" charset="0"/>
-              </a:endParaRPr>
-            </a:p>
-            <a:p>
-              <a:r>
-                <a:rPr lang="en-US" sz="1600" b="0" dirty="0">
-                  <a:solidFill>
-                    <a:srgbClr val="D4D4D4"/>
-                  </a:solidFill>
-                  <a:effectLst/>
-                  <a:latin typeface="Consolas" panose="020B0609020204030204" pitchFamily="49" charset="0"/>
-                </a:rPr>
-                <a:t>      </a:t>
-              </a:r>
-              <a:r>
-                <a:rPr lang="en-US" sz="1600" b="0" dirty="0">
-                  <a:solidFill>
-                    <a:srgbClr val="CE9178"/>
-                  </a:solidFill>
-                  <a:effectLst/>
-                  <a:latin typeface="Consolas" panose="020B0609020204030204" pitchFamily="49" charset="0"/>
-                </a:rPr>
-                <a:t>ingress-nginx.yaml</a:t>
-              </a:r>
-              <a:endParaRPr lang="en-US" sz="1600" b="0" dirty="0">
-                <a:solidFill>
-                  <a:srgbClr val="D4D4D4"/>
-                </a:solidFill>
-                <a:effectLst/>
-                <a:latin typeface="Consolas" panose="020B0609020204030204" pitchFamily="49" charset="0"/>
-              </a:endParaRPr>
-            </a:p>
-            <a:p>
-              <a:r>
-                <a:rPr lang="en-US" sz="1600" b="0" dirty="0">
-                  <a:solidFill>
-                    <a:srgbClr val="D4D4D4"/>
-                  </a:solidFill>
-                  <a:effectLst/>
-                  <a:latin typeface="Consolas" panose="020B0609020204030204" pitchFamily="49" charset="0"/>
-                </a:rPr>
-                <a:t>    </a:t>
-              </a:r>
-              <a:r>
-                <a:rPr lang="en-US" sz="1600" b="0" dirty="0">
-                  <a:solidFill>
-                    <a:srgbClr val="CE9178"/>
-                  </a:solidFill>
-                  <a:effectLst/>
-                  <a:latin typeface="Consolas" panose="020B0609020204030204" pitchFamily="49" charset="0"/>
-                </a:rPr>
-                <a:t>ingress-nginx</a:t>
-              </a:r>
-              <a:endParaRPr lang="en-US" sz="1600" b="0" dirty="0">
-                <a:solidFill>
-                  <a:srgbClr val="D4D4D4"/>
-                </a:solidFill>
-                <a:effectLst/>
-                <a:latin typeface="Consolas" panose="020B0609020204030204" pitchFamily="49" charset="0"/>
-              </a:endParaRPr>
-            </a:p>
-            <a:p>
-              <a:r>
-                <a:rPr lang="en-US" sz="1600" b="0" dirty="0">
-                  <a:solidFill>
-                    <a:srgbClr val="D4D4D4"/>
-                  </a:solidFill>
-                  <a:effectLst/>
-                  <a:latin typeface="Consolas" panose="020B0609020204030204" pitchFamily="49" charset="0"/>
-                </a:rPr>
-                <a:t>      </a:t>
-              </a:r>
-              <a:r>
-                <a:rPr lang="en-US" sz="1600" b="0" dirty="0">
-                  <a:solidFill>
-                    <a:srgbClr val="CE9178"/>
-                  </a:solidFill>
-                  <a:effectLst/>
-                  <a:latin typeface="Consolas" panose="020B0609020204030204" pitchFamily="49" charset="0"/>
-                </a:rPr>
-                <a:t>chart</a:t>
-              </a:r>
-              <a:endParaRPr lang="en-US" sz="1600" b="0" dirty="0">
-                <a:solidFill>
-                  <a:srgbClr val="D4D4D4"/>
-                </a:solidFill>
-                <a:effectLst/>
-                <a:latin typeface="Consolas" panose="020B0609020204030204" pitchFamily="49" charset="0"/>
-              </a:endParaRPr>
-            </a:p>
-            <a:p>
-              <a:r>
-                <a:rPr lang="en-US" sz="1600" b="0" dirty="0">
-                  <a:solidFill>
-                    <a:srgbClr val="D4D4D4"/>
-                  </a:solidFill>
-                  <a:effectLst/>
-                  <a:latin typeface="Consolas" panose="020B0609020204030204" pitchFamily="49" charset="0"/>
-                </a:rPr>
-                <a:t>        </a:t>
-              </a:r>
-              <a:r>
-                <a:rPr lang="en-US" sz="1600" b="0" dirty="0">
-                  <a:solidFill>
-                    <a:srgbClr val="B5CEA8"/>
-                  </a:solidFill>
-                  <a:effectLst/>
-                  <a:latin typeface="Consolas" panose="020B0609020204030204" pitchFamily="49" charset="0"/>
-                </a:rPr>
-                <a:t>...</a:t>
-              </a:r>
-              <a:endParaRPr lang="en-US" sz="1600" b="0" dirty="0">
-                <a:solidFill>
-                  <a:srgbClr val="D4D4D4"/>
-                </a:solidFill>
-                <a:effectLst/>
-                <a:latin typeface="Consolas" panose="020B0609020204030204" pitchFamily="49" charset="0"/>
-              </a:endParaRPr>
-            </a:p>
-            <a:p>
-              <a:r>
-                <a:rPr lang="en-US" sz="1600" b="0" dirty="0">
-                  <a:solidFill>
-                    <a:srgbClr val="D4D4D4"/>
-                  </a:solidFill>
-                  <a:effectLst/>
-                  <a:latin typeface="Consolas" panose="020B0609020204030204" pitchFamily="49" charset="0"/>
-                </a:rPr>
-                <a:t>      </a:t>
-              </a:r>
-              <a:r>
-                <a:rPr lang="en-US" sz="1600" b="0" dirty="0">
-                  <a:solidFill>
-                    <a:srgbClr val="CE9178"/>
-                  </a:solidFill>
-                  <a:effectLst/>
-                  <a:latin typeface="Consolas" panose="020B0609020204030204" pitchFamily="49" charset="0"/>
-                </a:rPr>
-                <a:t>kustomization.yaml</a:t>
-              </a:r>
-              <a:endParaRPr lang="en-US" sz="1600" b="0" dirty="0">
-                <a:solidFill>
-                  <a:srgbClr val="D4D4D4"/>
-                </a:solidFill>
-                <a:effectLst/>
-                <a:latin typeface="Consolas" panose="020B0609020204030204" pitchFamily="49" charset="0"/>
-              </a:endParaRPr>
-            </a:p>
-            <a:p>
-              <a:r>
-                <a:rPr lang="en-US" sz="1600" b="0" dirty="0">
-                  <a:solidFill>
-                    <a:srgbClr val="D4D4D4"/>
-                  </a:solidFill>
-                  <a:effectLst/>
-                  <a:latin typeface="Consolas" panose="020B0609020204030204" pitchFamily="49" charset="0"/>
-                </a:rPr>
-                <a:t>      </a:t>
-              </a:r>
-              <a:r>
-                <a:rPr lang="en-US" sz="1600" b="0" dirty="0">
-                  <a:solidFill>
-                    <a:srgbClr val="CE9178"/>
-                  </a:solidFill>
-                  <a:effectLst/>
-                  <a:latin typeface="Consolas" panose="020B0609020204030204" pitchFamily="49" charset="0"/>
-                </a:rPr>
-                <a:t>namespace.yaml</a:t>
-              </a:r>
-              <a:endParaRPr lang="en-US" sz="1600" b="0" dirty="0">
-                <a:solidFill>
-                  <a:srgbClr val="D4D4D4"/>
-                </a:solidFill>
-                <a:effectLst/>
-                <a:latin typeface="Consolas" panose="020B0609020204030204" pitchFamily="49" charset="0"/>
-              </a:endParaRPr>
-            </a:p>
-            <a:p>
-              <a:r>
-                <a:rPr lang="en-US" sz="1600" b="0" dirty="0">
-                  <a:solidFill>
-                    <a:srgbClr val="D4D4D4"/>
-                  </a:solidFill>
-                  <a:effectLst/>
-                  <a:latin typeface="Consolas" panose="020B0609020204030204" pitchFamily="49" charset="0"/>
-                </a:rPr>
-                <a:t>      </a:t>
-              </a:r>
-              <a:r>
-                <a:rPr lang="en-US" sz="1600" b="0" dirty="0">
-                  <a:solidFill>
-                    <a:srgbClr val="CE9178"/>
-                  </a:solidFill>
-                  <a:effectLst/>
-                  <a:latin typeface="Consolas" panose="020B0609020204030204" pitchFamily="49" charset="0"/>
-                </a:rPr>
-                <a:t>release.yaml</a:t>
-              </a:r>
-              <a:endParaRPr lang="en-US" sz="1600" b="0" dirty="0">
-                <a:solidFill>
-                  <a:srgbClr val="D4D4D4"/>
-                </a:solidFill>
-                <a:effectLst/>
-                <a:latin typeface="Consolas" panose="020B0609020204030204" pitchFamily="49" charset="0"/>
-              </a:endParaRPr>
-            </a:p>
-            <a:p>
-              <a:r>
-                <a:rPr lang="en-US" sz="1600" b="0" dirty="0">
-                  <a:solidFill>
-                    <a:srgbClr val="D4D4D4"/>
-                  </a:solidFill>
-                  <a:effectLst/>
-                  <a:latin typeface="Consolas" panose="020B0609020204030204" pitchFamily="49" charset="0"/>
-                </a:rPr>
-                <a:t>    </a:t>
-              </a:r>
-              <a:r>
-                <a:rPr lang="en-US" sz="1600" b="0" dirty="0">
-                  <a:solidFill>
-                    <a:srgbClr val="CE9178"/>
-                  </a:solidFill>
-                  <a:effectLst/>
-                  <a:latin typeface="Consolas" panose="020B0609020204030204" pitchFamily="49" charset="0"/>
-                </a:rPr>
-                <a:t>k3s-&lt;uniqueId&gt;-&lt;clusterIndex&gt;</a:t>
-              </a:r>
-              <a:endParaRPr lang="en-US" sz="1600" b="0" dirty="0">
-                <a:solidFill>
-                  <a:srgbClr val="D4D4D4"/>
-                </a:solidFill>
-                <a:effectLst/>
-                <a:latin typeface="Consolas" panose="020B0609020204030204" pitchFamily="49" charset="0"/>
-              </a:endParaRPr>
-            </a:p>
-            <a:p>
-              <a:r>
-                <a:rPr lang="en-US" sz="1600" b="0" dirty="0">
-                  <a:solidFill>
-                    <a:srgbClr val="D4D4D4"/>
-                  </a:solidFill>
-                  <a:effectLst/>
-                  <a:latin typeface="Consolas" panose="020B0609020204030204" pitchFamily="49" charset="0"/>
-                </a:rPr>
-                <a:t>      </a:t>
-              </a:r>
-              <a:r>
-                <a:rPr lang="en-US" sz="1600" b="0" dirty="0">
-                  <a:solidFill>
-                    <a:srgbClr val="CE9178"/>
-                  </a:solidFill>
-                  <a:effectLst/>
-                  <a:latin typeface="Consolas" panose="020B0609020204030204" pitchFamily="49" charset="0"/>
-                </a:rPr>
-                <a:t>kustomization.yaml</a:t>
-              </a:r>
-              <a:endParaRPr lang="en-US" sz="1600" b="0" dirty="0">
-                <a:solidFill>
-                  <a:srgbClr val="D4D4D4"/>
-                </a:solidFill>
-                <a:effectLst/>
-                <a:latin typeface="Consolas" panose="020B0609020204030204" pitchFamily="49" charset="0"/>
-              </a:endParaRPr>
-            </a:p>
-            <a:p>
-              <a:r>
-                <a:rPr lang="en-US" sz="1600" b="0" dirty="0">
-                  <a:solidFill>
-                    <a:srgbClr val="D4D4D4"/>
-                  </a:solidFill>
-                  <a:effectLst/>
-                  <a:latin typeface="Consolas" panose="020B0609020204030204" pitchFamily="49" charset="0"/>
-                </a:rPr>
-                <a:t>      </a:t>
-              </a:r>
-              <a:r>
-                <a:rPr lang="en-US" sz="1600" b="0" dirty="0">
-                  <a:solidFill>
-                    <a:srgbClr val="CE9178"/>
-                  </a:solidFill>
-                  <a:effectLst/>
-                  <a:latin typeface="Consolas" panose="020B0609020204030204" pitchFamily="49" charset="0"/>
-                </a:rPr>
-                <a:t>values.yaml</a:t>
-              </a:r>
-              <a:endParaRPr lang="en-US" sz="1600" b="0" dirty="0">
-                <a:solidFill>
-                  <a:srgbClr val="D4D4D4"/>
-                </a:solidFill>
-                <a:effectLst/>
-                <a:latin typeface="Consolas" panose="020B0609020204030204" pitchFamily="49" charset="0"/>
-              </a:endParaRPr>
-            </a:p>
-            <a:p>
-              <a:r>
-                <a:rPr lang="en-US" sz="1600" b="0" dirty="0">
-                  <a:solidFill>
-                    <a:srgbClr val="D4D4D4"/>
-                  </a:solidFill>
-                  <a:effectLst/>
-                  <a:latin typeface="Consolas" panose="020B0609020204030204" pitchFamily="49" charset="0"/>
-                </a:rPr>
-                <a:t>  </a:t>
-              </a:r>
-              <a:r>
-                <a:rPr lang="en-US" sz="1600" b="0" dirty="0">
-                  <a:solidFill>
-                    <a:srgbClr val="CE9178"/>
-                  </a:solidFill>
-                  <a:effectLst/>
-                  <a:latin typeface="Consolas" panose="020B0609020204030204" pitchFamily="49" charset="0"/>
-                </a:rPr>
-                <a:t>apps</a:t>
-              </a:r>
-              <a:endParaRPr lang="en-US" sz="1600" b="0" dirty="0">
-                <a:solidFill>
-                  <a:srgbClr val="D4D4D4"/>
-                </a:solidFill>
-                <a:effectLst/>
-                <a:latin typeface="Consolas" panose="020B0609020204030204" pitchFamily="49" charset="0"/>
-              </a:endParaRPr>
-            </a:p>
-            <a:p>
-              <a:r>
-                <a:rPr lang="en-US" sz="1600" b="0" dirty="0">
-                  <a:solidFill>
-                    <a:srgbClr val="D4D4D4"/>
-                  </a:solidFill>
-                  <a:effectLst/>
-                  <a:latin typeface="Consolas" panose="020B0609020204030204" pitchFamily="49" charset="0"/>
-                </a:rPr>
-                <a:t>    </a:t>
-              </a:r>
-              <a:r>
-                <a:rPr lang="en-US" sz="1600" b="0" dirty="0">
-                  <a:solidFill>
-                    <a:srgbClr val="CE9178"/>
-                  </a:solidFill>
-                  <a:effectLst/>
-                  <a:latin typeface="Consolas" panose="020B0609020204030204" pitchFamily="49" charset="0"/>
-                </a:rPr>
-                <a:t>webapp</a:t>
-              </a:r>
-              <a:endParaRPr lang="en-US" sz="1600" b="0" dirty="0">
-                <a:solidFill>
-                  <a:srgbClr val="D4D4D4"/>
-                </a:solidFill>
-                <a:effectLst/>
-                <a:latin typeface="Consolas" panose="020B0609020204030204" pitchFamily="49" charset="0"/>
-              </a:endParaRPr>
-            </a:p>
-            <a:p>
-              <a:r>
-                <a:rPr lang="en-US" sz="1600" b="0" dirty="0">
-                  <a:solidFill>
-                    <a:srgbClr val="D4D4D4"/>
-                  </a:solidFill>
-                  <a:effectLst/>
-                  <a:latin typeface="Consolas" panose="020B0609020204030204" pitchFamily="49" charset="0"/>
-                </a:rPr>
-                <a:t>      </a:t>
-              </a:r>
-              <a:r>
-                <a:rPr lang="en-US" sz="1600" b="0" dirty="0">
-                  <a:solidFill>
-                    <a:srgbClr val="CE9178"/>
-                  </a:solidFill>
-                  <a:effectLst/>
-                  <a:latin typeface="Consolas" panose="020B0609020204030204" pitchFamily="49" charset="0"/>
-                </a:rPr>
-                <a:t>kustomization.yaml</a:t>
-              </a:r>
-              <a:endParaRPr lang="en-US" sz="1600" b="0" dirty="0">
-                <a:solidFill>
-                  <a:srgbClr val="D4D4D4"/>
-                </a:solidFill>
-                <a:effectLst/>
-                <a:latin typeface="Consolas" panose="020B0609020204030204" pitchFamily="49" charset="0"/>
-              </a:endParaRPr>
-            </a:p>
-            <a:p>
-              <a:r>
-                <a:rPr lang="en-US" sz="1600" b="0" dirty="0">
-                  <a:solidFill>
-                    <a:srgbClr val="D4D4D4"/>
-                  </a:solidFill>
-                  <a:effectLst/>
-                  <a:latin typeface="Consolas" panose="020B0609020204030204" pitchFamily="49" charset="0"/>
-                </a:rPr>
-                <a:t>      </a:t>
-              </a:r>
-              <a:r>
-                <a:rPr lang="en-US" sz="1600" b="0" dirty="0">
-                  <a:solidFill>
-                    <a:srgbClr val="CE9178"/>
-                  </a:solidFill>
-                  <a:effectLst/>
-                  <a:latin typeface="Consolas" panose="020B0609020204030204" pitchFamily="49" charset="0"/>
-                </a:rPr>
-                <a:t>namespace.yaml</a:t>
-              </a:r>
-              <a:endParaRPr lang="en-US" sz="1600" b="0" dirty="0">
-                <a:solidFill>
-                  <a:srgbClr val="D4D4D4"/>
-                </a:solidFill>
-                <a:effectLst/>
-                <a:latin typeface="Consolas" panose="020B0609020204030204" pitchFamily="49" charset="0"/>
-              </a:endParaRPr>
-            </a:p>
-            <a:p>
-              <a:r>
-                <a:rPr lang="en-US" sz="1600" b="0" dirty="0">
-                  <a:solidFill>
-                    <a:srgbClr val="D4D4D4"/>
-                  </a:solidFill>
-                  <a:effectLst/>
-                  <a:latin typeface="Consolas" panose="020B0609020204030204" pitchFamily="49" charset="0"/>
-                </a:rPr>
-                <a:t>      </a:t>
-              </a:r>
-              <a:r>
-                <a:rPr lang="en-US" sz="1600" b="0" dirty="0">
-                  <a:solidFill>
-                    <a:srgbClr val="CE9178"/>
-                  </a:solidFill>
-                  <a:effectLst/>
-                  <a:latin typeface="Consolas" panose="020B0609020204030204" pitchFamily="49" charset="0"/>
-                </a:rPr>
-                <a:t>release.yaml</a:t>
-              </a:r>
-              <a:endParaRPr lang="en-US" sz="1600" b="0" dirty="0">
-                <a:solidFill>
-                  <a:srgbClr val="D4D4D4"/>
-                </a:solidFill>
-                <a:effectLst/>
-                <a:latin typeface="Consolas" panose="020B0609020204030204" pitchFamily="49" charset="0"/>
-              </a:endParaRPr>
-            </a:p>
-          </p:txBody>
-        </p:sp>
-        <p:cxnSp>
-          <p:nvCxnSpPr>
-            <p:cNvPr id="18" name="Straight Connector 17">
-              <a:extLst>
-                <a:ext uri="{FF2B5EF4-FFF2-40B4-BE49-F238E27FC236}">
-                  <a16:creationId xmlns:a16="http://schemas.microsoft.com/office/drawing/2014/main" id="{319F924F-3320-A993-3C49-699BD4523610}"/>
-                </a:ext>
-              </a:extLst>
-            </p:cNvPr>
-            <p:cNvCxnSpPr>
-              <a:cxnSpLocks/>
-            </p:cNvCxnSpPr>
-            <p:nvPr/>
-          </p:nvCxnSpPr>
-          <p:spPr>
-            <a:xfrm>
-              <a:off x="644056" y="930303"/>
-              <a:ext cx="0" cy="4508389"/>
-            </a:xfrm>
-            <a:prstGeom prst="line">
-              <a:avLst/>
-            </a:prstGeom>
-          </p:spPr>
-          <p:style>
-            <a:lnRef idx="1">
-              <a:schemeClr val="accent2"/>
-            </a:lnRef>
-            <a:fillRef idx="0">
-              <a:schemeClr val="accent2"/>
-            </a:fillRef>
-            <a:effectRef idx="0">
-              <a:schemeClr val="accent2"/>
-            </a:effectRef>
-            <a:fontRef idx="minor">
-              <a:schemeClr val="tx1"/>
-            </a:fontRef>
-          </p:style>
-        </p:cxnSp>
-        <p:cxnSp>
-          <p:nvCxnSpPr>
-            <p:cNvPr id="20" name="Straight Connector 19">
-              <a:extLst>
-                <a:ext uri="{FF2B5EF4-FFF2-40B4-BE49-F238E27FC236}">
-                  <a16:creationId xmlns:a16="http://schemas.microsoft.com/office/drawing/2014/main" id="{9E38B1CD-44DC-FEDC-5BEB-FE6D4559AC5A}"/>
-                </a:ext>
-              </a:extLst>
-            </p:cNvPr>
-            <p:cNvCxnSpPr>
-              <a:cxnSpLocks/>
-            </p:cNvCxnSpPr>
-            <p:nvPr/>
-          </p:nvCxnSpPr>
-          <p:spPr>
-            <a:xfrm>
-              <a:off x="868017" y="1208598"/>
-              <a:ext cx="0" cy="3045350"/>
-            </a:xfrm>
-            <a:prstGeom prst="line">
-              <a:avLst/>
-            </a:prstGeom>
-          </p:spPr>
-          <p:style>
-            <a:lnRef idx="1">
-              <a:schemeClr val="accent2"/>
-            </a:lnRef>
-            <a:fillRef idx="0">
-              <a:schemeClr val="accent2"/>
-            </a:fillRef>
-            <a:effectRef idx="0">
-              <a:schemeClr val="accent2"/>
-            </a:effectRef>
-            <a:fontRef idx="minor">
-              <a:schemeClr val="tx1"/>
-            </a:fontRef>
-          </p:style>
-        </p:cxnSp>
-        <p:cxnSp>
-          <p:nvCxnSpPr>
-            <p:cNvPr id="23" name="Straight Connector 22">
-              <a:extLst>
-                <a:ext uri="{FF2B5EF4-FFF2-40B4-BE49-F238E27FC236}">
-                  <a16:creationId xmlns:a16="http://schemas.microsoft.com/office/drawing/2014/main" id="{B87EDD28-D016-F17F-EA47-CCFF94DDABEA}"/>
-                </a:ext>
-              </a:extLst>
-            </p:cNvPr>
-            <p:cNvCxnSpPr>
-              <a:cxnSpLocks/>
-            </p:cNvCxnSpPr>
-            <p:nvPr/>
-          </p:nvCxnSpPr>
-          <p:spPr>
-            <a:xfrm>
-              <a:off x="868017" y="4593265"/>
-              <a:ext cx="0" cy="837477"/>
-            </a:xfrm>
-            <a:prstGeom prst="line">
-              <a:avLst/>
-            </a:prstGeom>
-          </p:spPr>
-          <p:style>
-            <a:lnRef idx="1">
-              <a:schemeClr val="accent2"/>
-            </a:lnRef>
-            <a:fillRef idx="0">
-              <a:schemeClr val="accent2"/>
-            </a:fillRef>
-            <a:effectRef idx="0">
-              <a:schemeClr val="accent2"/>
-            </a:effectRef>
-            <a:fontRef idx="minor">
-              <a:schemeClr val="tx1"/>
-            </a:fontRef>
-          </p:style>
-        </p:cxnSp>
-        <p:cxnSp>
-          <p:nvCxnSpPr>
-            <p:cNvPr id="29" name="Straight Connector 28">
-              <a:extLst>
-                <a:ext uri="{FF2B5EF4-FFF2-40B4-BE49-F238E27FC236}">
-                  <a16:creationId xmlns:a16="http://schemas.microsoft.com/office/drawing/2014/main" id="{0587DCB9-4B39-B45C-4A60-FBB7504A50E1}"/>
-                </a:ext>
-              </a:extLst>
-            </p:cNvPr>
-            <p:cNvCxnSpPr>
-              <a:cxnSpLocks/>
-            </p:cNvCxnSpPr>
-            <p:nvPr/>
-          </p:nvCxnSpPr>
-          <p:spPr>
-            <a:xfrm>
-              <a:off x="1089529" y="4826442"/>
-              <a:ext cx="0" cy="604300"/>
-            </a:xfrm>
-            <a:prstGeom prst="line">
-              <a:avLst/>
-            </a:prstGeom>
-          </p:spPr>
-          <p:style>
-            <a:lnRef idx="1">
-              <a:schemeClr val="accent2"/>
-            </a:lnRef>
-            <a:fillRef idx="0">
-              <a:schemeClr val="accent2"/>
-            </a:fillRef>
-            <a:effectRef idx="0">
-              <a:schemeClr val="accent2"/>
-            </a:effectRef>
-            <a:fontRef idx="minor">
-              <a:schemeClr val="tx1"/>
-            </a:fontRef>
-          </p:style>
-        </p:cxnSp>
-        <p:cxnSp>
-          <p:nvCxnSpPr>
-            <p:cNvPr id="32" name="Straight Connector 31">
-              <a:extLst>
-                <a:ext uri="{FF2B5EF4-FFF2-40B4-BE49-F238E27FC236}">
-                  <a16:creationId xmlns:a16="http://schemas.microsoft.com/office/drawing/2014/main" id="{AFE55A73-F7E2-B1B8-7818-CA45A496D38E}"/>
-                </a:ext>
-              </a:extLst>
-            </p:cNvPr>
-            <p:cNvCxnSpPr>
-              <a:cxnSpLocks/>
-            </p:cNvCxnSpPr>
-            <p:nvPr/>
-          </p:nvCxnSpPr>
-          <p:spPr>
-            <a:xfrm>
-              <a:off x="1089529" y="3840480"/>
-              <a:ext cx="0" cy="413468"/>
-            </a:xfrm>
-            <a:prstGeom prst="line">
-              <a:avLst/>
-            </a:prstGeom>
-          </p:spPr>
-          <p:style>
-            <a:lnRef idx="1">
-              <a:schemeClr val="accent2"/>
-            </a:lnRef>
-            <a:fillRef idx="0">
-              <a:schemeClr val="accent2"/>
-            </a:fillRef>
-            <a:effectRef idx="0">
-              <a:schemeClr val="accent2"/>
-            </a:effectRef>
-            <a:fontRef idx="minor">
-              <a:schemeClr val="tx1"/>
-            </a:fontRef>
-          </p:style>
-        </p:cxnSp>
-        <p:cxnSp>
-          <p:nvCxnSpPr>
-            <p:cNvPr id="35" name="Straight Connector 34">
-              <a:extLst>
-                <a:ext uri="{FF2B5EF4-FFF2-40B4-BE49-F238E27FC236}">
-                  <a16:creationId xmlns:a16="http://schemas.microsoft.com/office/drawing/2014/main" id="{3E25DAC9-7675-A49F-7A7D-B9406CAA87A5}"/>
-                </a:ext>
-              </a:extLst>
-            </p:cNvPr>
-            <p:cNvCxnSpPr>
-              <a:cxnSpLocks/>
-            </p:cNvCxnSpPr>
-            <p:nvPr/>
-          </p:nvCxnSpPr>
-          <p:spPr>
-            <a:xfrm>
-              <a:off x="1089529" y="2401294"/>
-              <a:ext cx="0" cy="1101256"/>
-            </a:xfrm>
-            <a:prstGeom prst="line">
-              <a:avLst/>
-            </a:prstGeom>
-          </p:spPr>
-          <p:style>
-            <a:lnRef idx="1">
-              <a:schemeClr val="accent2"/>
-            </a:lnRef>
-            <a:fillRef idx="0">
-              <a:schemeClr val="accent2"/>
-            </a:fillRef>
-            <a:effectRef idx="0">
-              <a:schemeClr val="accent2"/>
-            </a:effectRef>
-            <a:fontRef idx="minor">
-              <a:schemeClr val="tx1"/>
-            </a:fontRef>
-          </p:style>
-        </p:cxnSp>
-        <p:cxnSp>
-          <p:nvCxnSpPr>
-            <p:cNvPr id="39" name="Straight Connector 38">
-              <a:extLst>
-                <a:ext uri="{FF2B5EF4-FFF2-40B4-BE49-F238E27FC236}">
-                  <a16:creationId xmlns:a16="http://schemas.microsoft.com/office/drawing/2014/main" id="{16DD22B6-347B-B380-7A59-28A57ABC0642}"/>
-                </a:ext>
-              </a:extLst>
-            </p:cNvPr>
-            <p:cNvCxnSpPr>
-              <a:cxnSpLocks/>
-            </p:cNvCxnSpPr>
-            <p:nvPr/>
-          </p:nvCxnSpPr>
-          <p:spPr>
-            <a:xfrm>
-              <a:off x="1089529" y="1415332"/>
-              <a:ext cx="0" cy="632129"/>
-            </a:xfrm>
-            <a:prstGeom prst="line">
-              <a:avLst/>
-            </a:prstGeom>
-          </p:spPr>
-          <p:style>
-            <a:lnRef idx="1">
-              <a:schemeClr val="accent2"/>
-            </a:lnRef>
-            <a:fillRef idx="0">
-              <a:schemeClr val="accent2"/>
-            </a:fillRef>
-            <a:effectRef idx="0">
-              <a:schemeClr val="accent2"/>
-            </a:effectRef>
-            <a:fontRef idx="minor">
-              <a:schemeClr val="tx1"/>
-            </a:fontRef>
-          </p:style>
-        </p:cxnSp>
-      </p:grpSp>
       <p:sp>
         <p:nvSpPr>
-          <p:cNvPr id="53" name="TextBox 52">
+          <p:cNvPr id="16" name="TextBox 15">
             <a:extLst>
               <a:ext uri="{FF2B5EF4-FFF2-40B4-BE49-F238E27FC236}">
-                <a16:creationId xmlns:a16="http://schemas.microsoft.com/office/drawing/2014/main" id="{33B5FE21-A38B-F6A0-C286-227FC686170A}"/>
+                <a16:creationId xmlns:a16="http://schemas.microsoft.com/office/drawing/2014/main" id="{D7543259-5F7B-15CD-15F3-70DB7C496F62}"/>
               </a:ext>
             </a:extLst>
           </p:cNvPr>
@@ -10773,914 +9887,361 @@
         </p:nvSpPr>
         <p:spPr>
           <a:xfrm>
-            <a:off x="4888441" y="1719604"/>
-            <a:ext cx="1426684" cy="246221"/>
+            <a:off x="377509" y="209169"/>
+            <a:ext cx="4231067" cy="6124754"/>
           </a:xfrm>
           <a:prstGeom prst="rect">
             <a:avLst/>
           </a:prstGeom>
-          <a:solidFill>
-            <a:schemeClr val="bg2">
-              <a:lumMod val="90000"/>
-            </a:schemeClr>
-          </a:solidFill>
-          <a:ln>
-            <a:solidFill>
-              <a:srgbClr val="0F7ED8"/>
-            </a:solidFill>
-          </a:ln>
+          <a:noFill/>
         </p:spPr>
         <p:txBody>
-          <a:bodyPr wrap="square" rtlCol="0">
+          <a:bodyPr wrap="square">
             <a:spAutoFit/>
           </a:bodyPr>
           <a:lstStyle/>
           <a:p>
-            <a:pPr algn="ctr"/>
             <a:r>
-              <a:rPr lang="en-US" sz="1000" dirty="0"/>
-              <a:t>HelmRepository objects</a:t>
+              <a:rPr lang="en-US" sz="1400" b="0" dirty="0">
+                <a:solidFill>
+                  <a:schemeClr val="tx2"/>
+                </a:solidFill>
+                <a:effectLst/>
+                <a:latin typeface="Consolas" panose="020B0609020204030204" pitchFamily="49" charset="0"/>
+              </a:rPr>
+              <a:t>aks-playground/</a:t>
+            </a:r>
+          </a:p>
+          <a:p>
+            <a:r>
+              <a:rPr lang="en-US" sz="1400" b="0" dirty="0">
+                <a:solidFill>
+                  <a:schemeClr val="tx2"/>
+                </a:solidFill>
+                <a:effectLst/>
+                <a:latin typeface="Consolas" panose="020B0609020204030204" pitchFamily="49" charset="0"/>
+              </a:rPr>
+              <a:t>├── apps</a:t>
+            </a:r>
+          </a:p>
+          <a:p>
+            <a:r>
+              <a:rPr lang="en-US" sz="1400" b="0" dirty="0">
+                <a:solidFill>
+                  <a:schemeClr val="tx2"/>
+                </a:solidFill>
+                <a:effectLst/>
+                <a:latin typeface="Consolas" panose="020B0609020204030204" pitchFamily="49" charset="0"/>
+              </a:rPr>
+              <a:t>│   ├── kustomization.yaml</a:t>
+            </a:r>
+          </a:p>
+          <a:p>
+            <a:r>
+              <a:rPr lang="en-US" sz="1400" b="0" dirty="0">
+                <a:solidFill>
+                  <a:schemeClr val="tx2"/>
+                </a:solidFill>
+                <a:effectLst/>
+                <a:latin typeface="Consolas" panose="020B0609020204030204" pitchFamily="49" charset="0"/>
+              </a:rPr>
+              <a:t>│   └── voteapp</a:t>
+            </a:r>
+          </a:p>
+          <a:p>
+            <a:r>
+              <a:rPr lang="en-US" sz="1400" b="0" dirty="0">
+                <a:solidFill>
+                  <a:schemeClr val="tx2"/>
+                </a:solidFill>
+                <a:effectLst/>
+                <a:latin typeface="Consolas" panose="020B0609020204030204" pitchFamily="49" charset="0"/>
+              </a:rPr>
+              <a:t>│       ├── kustomization.yaml</a:t>
+            </a:r>
+          </a:p>
+          <a:p>
+            <a:r>
+              <a:rPr lang="en-US" sz="1400" b="0" dirty="0">
+                <a:solidFill>
+                  <a:schemeClr val="tx2"/>
+                </a:solidFill>
+                <a:effectLst/>
+                <a:latin typeface="Consolas" panose="020B0609020204030204" pitchFamily="49" charset="0"/>
+              </a:rPr>
+              <a:t>│       ├── namespace.yaml</a:t>
+            </a:r>
+          </a:p>
+          <a:p>
+            <a:r>
+              <a:rPr lang="en-US" sz="1400" b="0" dirty="0">
+                <a:solidFill>
+                  <a:schemeClr val="tx2"/>
+                </a:solidFill>
+                <a:effectLst/>
+                <a:latin typeface="Consolas" panose="020B0609020204030204" pitchFamily="49" charset="0"/>
+              </a:rPr>
+              <a:t>│       └── release.yaml</a:t>
+            </a:r>
+          </a:p>
+          <a:p>
+            <a:r>
+              <a:rPr lang="en-US" sz="1400" b="0" dirty="0">
+                <a:solidFill>
+                  <a:schemeClr val="tx2"/>
+                </a:solidFill>
+                <a:effectLst/>
+                <a:latin typeface="Consolas" panose="020B0609020204030204" pitchFamily="49" charset="0"/>
+              </a:rPr>
+              <a:t>└── infrastructure</a:t>
+            </a:r>
+          </a:p>
+          <a:p>
+            <a:r>
+              <a:rPr lang="en-US" sz="1400" b="0" dirty="0">
+                <a:solidFill>
+                  <a:schemeClr val="tx2"/>
+                </a:solidFill>
+                <a:effectLst/>
+                <a:latin typeface="Consolas" panose="020B0609020204030204" pitchFamily="49" charset="0"/>
+              </a:rPr>
+              <a:t>    ├── ingress-nginx</a:t>
+            </a:r>
+          </a:p>
+          <a:p>
+            <a:r>
+              <a:rPr lang="en-US" sz="1400" b="0" dirty="0">
+                <a:solidFill>
+                  <a:schemeClr val="tx2"/>
+                </a:solidFill>
+                <a:effectLst/>
+                <a:latin typeface="Consolas" panose="020B0609020204030204" pitchFamily="49" charset="0"/>
+              </a:rPr>
+              <a:t>    │   ├── chart</a:t>
+            </a:r>
+          </a:p>
+          <a:p>
+            <a:r>
+              <a:rPr lang="en-US" sz="1400" b="0" dirty="0">
+                <a:solidFill>
+                  <a:schemeClr val="tx2"/>
+                </a:solidFill>
+                <a:effectLst/>
+                <a:latin typeface="Consolas" panose="020B0609020204030204" pitchFamily="49" charset="0"/>
+              </a:rPr>
+              <a:t>    │   ├── k3s-e329c2b1-1</a:t>
+            </a:r>
+          </a:p>
+          <a:p>
+            <a:r>
+              <a:rPr lang="en-US" sz="1400" b="0" dirty="0">
+                <a:solidFill>
+                  <a:schemeClr val="tx2"/>
+                </a:solidFill>
+                <a:effectLst/>
+                <a:latin typeface="Consolas" panose="020B0609020204030204" pitchFamily="49" charset="0"/>
+              </a:rPr>
+              <a:t>    │   │   ├── kustomization.yaml</a:t>
+            </a:r>
+          </a:p>
+          <a:p>
+            <a:r>
+              <a:rPr lang="en-US" sz="1400" b="0" dirty="0">
+                <a:solidFill>
+                  <a:schemeClr val="tx2"/>
+                </a:solidFill>
+                <a:effectLst/>
+                <a:latin typeface="Consolas" panose="020B0609020204030204" pitchFamily="49" charset="0"/>
+              </a:rPr>
+              <a:t>    │   │   └── values.yaml</a:t>
+            </a:r>
+          </a:p>
+          <a:p>
+            <a:r>
+              <a:rPr lang="en-US" sz="1400" b="0" dirty="0">
+                <a:solidFill>
+                  <a:schemeClr val="tx2"/>
+                </a:solidFill>
+                <a:effectLst/>
+                <a:latin typeface="Consolas" panose="020B0609020204030204" pitchFamily="49" charset="0"/>
+              </a:rPr>
+              <a:t>    │   ├── kustomization.yaml</a:t>
+            </a:r>
+          </a:p>
+          <a:p>
+            <a:r>
+              <a:rPr lang="en-US" sz="1400" b="0" dirty="0">
+                <a:solidFill>
+                  <a:schemeClr val="tx2"/>
+                </a:solidFill>
+                <a:effectLst/>
+                <a:latin typeface="Consolas" panose="020B0609020204030204" pitchFamily="49" charset="0"/>
+              </a:rPr>
+              <a:t>    │   ├── namespace.yaml</a:t>
+            </a:r>
+          </a:p>
+          <a:p>
+            <a:r>
+              <a:rPr lang="en-US" sz="1400" b="0" dirty="0">
+                <a:solidFill>
+                  <a:schemeClr val="tx2"/>
+                </a:solidFill>
+                <a:effectLst/>
+                <a:latin typeface="Consolas" panose="020B0609020204030204" pitchFamily="49" charset="0"/>
+              </a:rPr>
+              <a:t>    │   └── release.yaml</a:t>
+            </a:r>
+          </a:p>
+          <a:p>
+            <a:r>
+              <a:rPr lang="en-US" sz="1400" b="0" dirty="0">
+                <a:solidFill>
+                  <a:schemeClr val="tx2"/>
+                </a:solidFill>
+                <a:effectLst/>
+                <a:latin typeface="Consolas" panose="020B0609020204030204" pitchFamily="49" charset="0"/>
+              </a:rPr>
+              <a:t>    ├── kustomization.yaml</a:t>
+            </a:r>
+          </a:p>
+          <a:p>
+            <a:r>
+              <a:rPr lang="en-US" sz="1400" b="0" dirty="0">
+                <a:solidFill>
+                  <a:schemeClr val="tx2"/>
+                </a:solidFill>
+                <a:effectLst/>
+                <a:latin typeface="Consolas" panose="020B0609020204030204" pitchFamily="49" charset="0"/>
+              </a:rPr>
+              <a:t>    ├── redis</a:t>
+            </a:r>
+          </a:p>
+          <a:p>
+            <a:r>
+              <a:rPr lang="en-US" sz="1400" b="0" dirty="0">
+                <a:solidFill>
+                  <a:schemeClr val="tx2"/>
+                </a:solidFill>
+                <a:effectLst/>
+                <a:latin typeface="Consolas" panose="020B0609020204030204" pitchFamily="49" charset="0"/>
+              </a:rPr>
+              <a:t>    │   ├── kustomization.yaml</a:t>
+            </a:r>
+          </a:p>
+          <a:p>
+            <a:r>
+              <a:rPr lang="en-US" sz="1400" b="0" dirty="0">
+                <a:solidFill>
+                  <a:schemeClr val="tx2"/>
+                </a:solidFill>
+                <a:effectLst/>
+                <a:latin typeface="Consolas" panose="020B0609020204030204" pitchFamily="49" charset="0"/>
+              </a:rPr>
+              <a:t>    │   ├── kustomizeconfig.yaml</a:t>
+            </a:r>
+          </a:p>
+          <a:p>
+            <a:r>
+              <a:rPr lang="en-US" sz="1400" b="0" dirty="0">
+                <a:solidFill>
+                  <a:schemeClr val="tx2"/>
+                </a:solidFill>
+                <a:effectLst/>
+                <a:latin typeface="Consolas" panose="020B0609020204030204" pitchFamily="49" charset="0"/>
+              </a:rPr>
+              <a:t>    │   ├── namespace.yaml</a:t>
+            </a:r>
+          </a:p>
+          <a:p>
+            <a:r>
+              <a:rPr lang="en-US" sz="1400" b="0" dirty="0">
+                <a:solidFill>
+                  <a:schemeClr val="tx2"/>
+                </a:solidFill>
+                <a:effectLst/>
+                <a:latin typeface="Consolas" panose="020B0609020204030204" pitchFamily="49" charset="0"/>
+              </a:rPr>
+              <a:t>    │   ├── release.yaml</a:t>
+            </a:r>
+          </a:p>
+          <a:p>
+            <a:r>
+              <a:rPr lang="en-US" sz="1400" b="0" dirty="0">
+                <a:solidFill>
+                  <a:schemeClr val="tx2"/>
+                </a:solidFill>
+                <a:effectLst/>
+                <a:latin typeface="Consolas" panose="020B0609020204030204" pitchFamily="49" charset="0"/>
+              </a:rPr>
+              <a:t>    │   └── values.yaml</a:t>
+            </a:r>
+          </a:p>
+          <a:p>
+            <a:r>
+              <a:rPr lang="en-US" sz="1400" b="0" dirty="0">
+                <a:solidFill>
+                  <a:schemeClr val="tx2"/>
+                </a:solidFill>
+                <a:effectLst/>
+                <a:latin typeface="Consolas" panose="020B0609020204030204" pitchFamily="49" charset="0"/>
+              </a:rPr>
+              <a:t>    └── sources</a:t>
+            </a:r>
+          </a:p>
+          <a:p>
+            <a:r>
+              <a:rPr lang="en-US" sz="1400" b="0" dirty="0">
+                <a:solidFill>
+                  <a:schemeClr val="tx2"/>
+                </a:solidFill>
+                <a:effectLst/>
+                <a:latin typeface="Consolas" panose="020B0609020204030204" pitchFamily="49" charset="0"/>
+              </a:rPr>
+              <a:t>        ├── bitnami.yaml</a:t>
+            </a:r>
+          </a:p>
+          <a:p>
+            <a:r>
+              <a:rPr lang="en-US" sz="1400" b="0" dirty="0">
+                <a:solidFill>
+                  <a:schemeClr val="tx2"/>
+                </a:solidFill>
+                <a:effectLst/>
+                <a:latin typeface="Consolas" panose="020B0609020204030204" pitchFamily="49" charset="0"/>
+              </a:rPr>
+              <a:t>        ├── ingress-nginx.yaml</a:t>
+            </a:r>
+          </a:p>
+          <a:p>
+            <a:r>
+              <a:rPr lang="en-US" sz="1400" b="0" dirty="0">
+                <a:solidFill>
+                  <a:schemeClr val="tx2"/>
+                </a:solidFill>
+                <a:effectLst/>
+                <a:latin typeface="Consolas" panose="020B0609020204030204" pitchFamily="49" charset="0"/>
+              </a:rPr>
+              <a:t>        ├── voteapp.yaml</a:t>
+            </a:r>
+          </a:p>
+          <a:p>
+            <a:r>
+              <a:rPr lang="en-US" sz="1400" b="0" dirty="0">
+                <a:solidFill>
+                  <a:schemeClr val="tx2"/>
+                </a:solidFill>
+                <a:effectLst/>
+                <a:latin typeface="Consolas" panose="020B0609020204030204" pitchFamily="49" charset="0"/>
+              </a:rPr>
+              <a:t>        └── kustomization.yaml</a:t>
             </a:r>
           </a:p>
         </p:txBody>
       </p:sp>
-      <p:sp>
-        <p:nvSpPr>
-          <p:cNvPr id="58" name="Right Brace 57">
-            <a:extLst>
-              <a:ext uri="{FF2B5EF4-FFF2-40B4-BE49-F238E27FC236}">
-                <a16:creationId xmlns:a16="http://schemas.microsoft.com/office/drawing/2014/main" id="{DCDD4008-58D7-6533-91E9-4F6815801A09}"/>
-              </a:ext>
-            </a:extLst>
-          </p:cNvPr>
-          <p:cNvSpPr/>
-          <p:nvPr/>
-        </p:nvSpPr>
-        <p:spPr>
-          <a:xfrm>
-            <a:off x="3456432" y="1637969"/>
-            <a:ext cx="274320" cy="409492"/>
-          </a:xfrm>
-          <a:prstGeom prst="rightBrace">
-            <a:avLst/>
-          </a:prstGeom>
-          <a:ln>
-            <a:solidFill>
-              <a:srgbClr val="0F7ED8"/>
-            </a:solidFill>
-          </a:ln>
-        </p:spPr>
-        <p:style>
-          <a:lnRef idx="1">
-            <a:schemeClr val="accent2"/>
-          </a:lnRef>
-          <a:fillRef idx="0">
-            <a:schemeClr val="accent2"/>
-          </a:fillRef>
-          <a:effectRef idx="0">
-            <a:schemeClr val="accent2"/>
-          </a:effectRef>
-          <a:fontRef idx="minor">
-            <a:schemeClr val="tx1"/>
-          </a:fontRef>
-        </p:style>
-        <p:txBody>
-          <a:bodyPr rtlCol="0" anchor="ctr"/>
-          <a:lstStyle/>
-          <a:p>
-            <a:pPr algn="ctr"/>
-            <a:endParaRPr lang="en-US"/>
-          </a:p>
-        </p:txBody>
-      </p:sp>
-      <p:sp>
-        <p:nvSpPr>
-          <p:cNvPr id="75" name="TextBox 74">
-            <a:extLst>
-              <a:ext uri="{FF2B5EF4-FFF2-40B4-BE49-F238E27FC236}">
-                <a16:creationId xmlns:a16="http://schemas.microsoft.com/office/drawing/2014/main" id="{1343C118-E2B3-13B4-8230-74D65E4D516D}"/>
-              </a:ext>
-            </a:extLst>
-          </p:cNvPr>
-          <p:cNvSpPr txBox="1"/>
-          <p:nvPr/>
-        </p:nvSpPr>
-        <p:spPr>
-          <a:xfrm>
-            <a:off x="4888441" y="1351451"/>
-            <a:ext cx="1426684" cy="246221"/>
-          </a:xfrm>
-          <a:prstGeom prst="rect">
-            <a:avLst/>
-          </a:prstGeom>
-          <a:solidFill>
-            <a:schemeClr val="bg2">
-              <a:lumMod val="90000"/>
-            </a:schemeClr>
-          </a:solidFill>
-          <a:ln>
-            <a:solidFill>
-              <a:srgbClr val="0F7ED8"/>
-            </a:solidFill>
-          </a:ln>
-        </p:spPr>
-        <p:txBody>
-          <a:bodyPr wrap="square" rtlCol="0">
-            <a:spAutoFit/>
-          </a:bodyPr>
-          <a:lstStyle/>
-          <a:p>
-            <a:pPr algn="ctr"/>
-            <a:r>
-              <a:rPr lang="en-US" sz="1000" dirty="0"/>
-              <a:t>Kustomization object</a:t>
-            </a:r>
-          </a:p>
-        </p:txBody>
-      </p:sp>
-      <p:cxnSp>
-        <p:nvCxnSpPr>
-          <p:cNvPr id="77" name="Straight Arrow Connector 76">
-            <a:extLst>
-              <a:ext uri="{FF2B5EF4-FFF2-40B4-BE49-F238E27FC236}">
-                <a16:creationId xmlns:a16="http://schemas.microsoft.com/office/drawing/2014/main" id="{44AC7592-B021-58DF-6AE6-9C7B50FA33CA}"/>
-              </a:ext>
-            </a:extLst>
-          </p:cNvPr>
-          <p:cNvCxnSpPr>
-            <a:endCxn id="75" idx="1"/>
-          </p:cNvCxnSpPr>
-          <p:nvPr/>
-        </p:nvCxnSpPr>
-        <p:spPr>
-          <a:xfrm>
-            <a:off x="3307743" y="1474561"/>
-            <a:ext cx="1580698" cy="1"/>
-          </a:xfrm>
-          <a:prstGeom prst="straightConnector1">
-            <a:avLst/>
-          </a:prstGeom>
-          <a:ln>
-            <a:tailEnd type="triangle"/>
-          </a:ln>
-        </p:spPr>
-        <p:style>
-          <a:lnRef idx="1">
-            <a:schemeClr val="accent1"/>
-          </a:lnRef>
-          <a:fillRef idx="0">
-            <a:schemeClr val="accent1"/>
-          </a:fillRef>
-          <a:effectRef idx="0">
-            <a:schemeClr val="accent1"/>
-          </a:effectRef>
-          <a:fontRef idx="minor">
-            <a:schemeClr val="tx1"/>
-          </a:fontRef>
-        </p:style>
-      </p:cxnSp>
-      <p:cxnSp>
-        <p:nvCxnSpPr>
-          <p:cNvPr id="79" name="Straight Arrow Connector 78">
-            <a:extLst>
-              <a:ext uri="{FF2B5EF4-FFF2-40B4-BE49-F238E27FC236}">
-                <a16:creationId xmlns:a16="http://schemas.microsoft.com/office/drawing/2014/main" id="{ADDCD1E6-5C5E-EA96-6CBF-653D3C5D5E58}"/>
-              </a:ext>
-            </a:extLst>
-          </p:cNvPr>
-          <p:cNvCxnSpPr>
-            <a:cxnSpLocks/>
-            <a:endCxn id="53" idx="1"/>
-          </p:cNvCxnSpPr>
-          <p:nvPr/>
-        </p:nvCxnSpPr>
-        <p:spPr>
-          <a:xfrm>
-            <a:off x="3730752" y="1842714"/>
-            <a:ext cx="1157689" cy="1"/>
-          </a:xfrm>
-          <a:prstGeom prst="straightConnector1">
-            <a:avLst/>
-          </a:prstGeom>
-          <a:ln>
-            <a:tailEnd type="triangle"/>
-          </a:ln>
-        </p:spPr>
-        <p:style>
-          <a:lnRef idx="1">
-            <a:schemeClr val="accent1"/>
-          </a:lnRef>
-          <a:fillRef idx="0">
-            <a:schemeClr val="accent1"/>
-          </a:fillRef>
-          <a:effectRef idx="0">
-            <a:schemeClr val="accent1"/>
-          </a:effectRef>
-          <a:fontRef idx="minor">
-            <a:schemeClr val="tx1"/>
-          </a:fontRef>
-        </p:style>
-      </p:cxnSp>
-      <p:sp>
-        <p:nvSpPr>
-          <p:cNvPr id="82" name="TextBox 81">
-            <a:extLst>
-              <a:ext uri="{FF2B5EF4-FFF2-40B4-BE49-F238E27FC236}">
-                <a16:creationId xmlns:a16="http://schemas.microsoft.com/office/drawing/2014/main" id="{A2309458-D6BE-1B3E-CCEF-C79FCAD735A6}"/>
-              </a:ext>
-            </a:extLst>
-          </p:cNvPr>
-          <p:cNvSpPr txBox="1"/>
-          <p:nvPr/>
-        </p:nvSpPr>
-        <p:spPr>
-          <a:xfrm>
-            <a:off x="4888441" y="2807865"/>
-            <a:ext cx="1426684" cy="246221"/>
-          </a:xfrm>
-          <a:prstGeom prst="rect">
-            <a:avLst/>
-          </a:prstGeom>
-          <a:solidFill>
-            <a:schemeClr val="bg2">
-              <a:lumMod val="90000"/>
-            </a:schemeClr>
-          </a:solidFill>
-          <a:ln>
-            <a:solidFill>
-              <a:srgbClr val="0F7ED8"/>
-            </a:solidFill>
-          </a:ln>
-        </p:spPr>
-        <p:txBody>
-          <a:bodyPr wrap="square" rtlCol="0">
-            <a:spAutoFit/>
-          </a:bodyPr>
-          <a:lstStyle/>
-          <a:p>
-            <a:pPr algn="ctr"/>
-            <a:r>
-              <a:rPr lang="en-US" sz="1000" dirty="0"/>
-              <a:t>Kustomization object</a:t>
-            </a:r>
-          </a:p>
-        </p:txBody>
-      </p:sp>
-      <p:cxnSp>
-        <p:nvCxnSpPr>
-          <p:cNvPr id="84" name="Straight Arrow Connector 83">
-            <a:extLst>
-              <a:ext uri="{FF2B5EF4-FFF2-40B4-BE49-F238E27FC236}">
-                <a16:creationId xmlns:a16="http://schemas.microsoft.com/office/drawing/2014/main" id="{8999CE94-6F53-7069-7A68-39DA80DF076D}"/>
-              </a:ext>
-            </a:extLst>
-          </p:cNvPr>
-          <p:cNvCxnSpPr>
-            <a:cxnSpLocks/>
-            <a:endCxn id="82" idx="1"/>
-          </p:cNvCxnSpPr>
-          <p:nvPr/>
-        </p:nvCxnSpPr>
-        <p:spPr>
-          <a:xfrm>
-            <a:off x="3307743" y="2930975"/>
-            <a:ext cx="1580698" cy="1"/>
-          </a:xfrm>
-          <a:prstGeom prst="straightConnector1">
-            <a:avLst/>
-          </a:prstGeom>
-          <a:ln>
-            <a:tailEnd type="triangle"/>
-          </a:ln>
-        </p:spPr>
-        <p:style>
-          <a:lnRef idx="1">
-            <a:schemeClr val="accent1"/>
-          </a:lnRef>
-          <a:fillRef idx="0">
-            <a:schemeClr val="accent1"/>
-          </a:fillRef>
-          <a:effectRef idx="0">
-            <a:schemeClr val="accent1"/>
-          </a:effectRef>
-          <a:fontRef idx="minor">
-            <a:schemeClr val="tx1"/>
-          </a:fontRef>
-        </p:style>
-      </p:cxnSp>
-      <p:sp>
-        <p:nvSpPr>
-          <p:cNvPr id="86" name="TextBox 85">
-            <a:extLst>
-              <a:ext uri="{FF2B5EF4-FFF2-40B4-BE49-F238E27FC236}">
-                <a16:creationId xmlns:a16="http://schemas.microsoft.com/office/drawing/2014/main" id="{F73CDF2A-7DD1-650A-7497-535F39704D0C}"/>
-              </a:ext>
-            </a:extLst>
-          </p:cNvPr>
-          <p:cNvSpPr txBox="1"/>
-          <p:nvPr/>
-        </p:nvSpPr>
-        <p:spPr>
-          <a:xfrm>
-            <a:off x="4888441" y="3052907"/>
-            <a:ext cx="1426684" cy="246221"/>
-          </a:xfrm>
-          <a:prstGeom prst="rect">
-            <a:avLst/>
-          </a:prstGeom>
-          <a:solidFill>
-            <a:schemeClr val="bg2">
-              <a:lumMod val="90000"/>
-            </a:schemeClr>
-          </a:solidFill>
-          <a:ln>
-            <a:solidFill>
-              <a:srgbClr val="0F7ED8"/>
-            </a:solidFill>
-          </a:ln>
-        </p:spPr>
-        <p:txBody>
-          <a:bodyPr wrap="square" rtlCol="0">
-            <a:spAutoFit/>
-          </a:bodyPr>
-          <a:lstStyle/>
-          <a:p>
-            <a:pPr algn="ctr"/>
-            <a:r>
-              <a:rPr lang="en-US" sz="1000" dirty="0"/>
-              <a:t>Namespace object</a:t>
-            </a:r>
-          </a:p>
-        </p:txBody>
-      </p:sp>
-      <p:cxnSp>
-        <p:nvCxnSpPr>
-          <p:cNvPr id="88" name="Straight Arrow Connector 87">
-            <a:extLst>
-              <a:ext uri="{FF2B5EF4-FFF2-40B4-BE49-F238E27FC236}">
-                <a16:creationId xmlns:a16="http://schemas.microsoft.com/office/drawing/2014/main" id="{2A81EB04-E201-B404-42A6-173E014BC50B}"/>
-              </a:ext>
-            </a:extLst>
-          </p:cNvPr>
-          <p:cNvCxnSpPr>
-            <a:cxnSpLocks/>
-            <a:endCxn id="86" idx="1"/>
-          </p:cNvCxnSpPr>
-          <p:nvPr/>
-        </p:nvCxnSpPr>
-        <p:spPr>
-          <a:xfrm>
-            <a:off x="2854518" y="3176018"/>
-            <a:ext cx="2033923" cy="0"/>
-          </a:xfrm>
-          <a:prstGeom prst="straightConnector1">
-            <a:avLst/>
-          </a:prstGeom>
-          <a:ln>
-            <a:tailEnd type="triangle"/>
-          </a:ln>
-        </p:spPr>
-        <p:style>
-          <a:lnRef idx="1">
-            <a:schemeClr val="accent1"/>
-          </a:lnRef>
-          <a:fillRef idx="0">
-            <a:schemeClr val="accent1"/>
-          </a:fillRef>
-          <a:effectRef idx="0">
-            <a:schemeClr val="accent1"/>
-          </a:effectRef>
-          <a:fontRef idx="minor">
-            <a:schemeClr val="tx1"/>
-          </a:fontRef>
-        </p:style>
-      </p:cxnSp>
-      <p:sp>
-        <p:nvSpPr>
-          <p:cNvPr id="91" name="TextBox 90">
-            <a:extLst>
-              <a:ext uri="{FF2B5EF4-FFF2-40B4-BE49-F238E27FC236}">
-                <a16:creationId xmlns:a16="http://schemas.microsoft.com/office/drawing/2014/main" id="{DB538784-8AF3-C100-6019-7BAEBC0D1DB2}"/>
-              </a:ext>
-            </a:extLst>
-          </p:cNvPr>
-          <p:cNvSpPr txBox="1"/>
-          <p:nvPr/>
-        </p:nvSpPr>
-        <p:spPr>
-          <a:xfrm>
-            <a:off x="4887701" y="3300366"/>
-            <a:ext cx="1426684" cy="246221"/>
-          </a:xfrm>
-          <a:prstGeom prst="rect">
-            <a:avLst/>
-          </a:prstGeom>
-          <a:solidFill>
-            <a:schemeClr val="bg2">
-              <a:lumMod val="90000"/>
-            </a:schemeClr>
-          </a:solidFill>
-          <a:ln>
-            <a:solidFill>
-              <a:srgbClr val="0F7ED8"/>
-            </a:solidFill>
-          </a:ln>
-        </p:spPr>
-        <p:txBody>
-          <a:bodyPr wrap="square" rtlCol="0">
-            <a:spAutoFit/>
-          </a:bodyPr>
-          <a:lstStyle/>
-          <a:p>
-            <a:pPr algn="ctr"/>
-            <a:r>
-              <a:rPr lang="en-US" sz="1000" dirty="0"/>
-              <a:t>HelmRelease object</a:t>
-            </a:r>
-          </a:p>
-        </p:txBody>
-      </p:sp>
-      <p:cxnSp>
-        <p:nvCxnSpPr>
-          <p:cNvPr id="93" name="Straight Arrow Connector 92">
-            <a:extLst>
-              <a:ext uri="{FF2B5EF4-FFF2-40B4-BE49-F238E27FC236}">
-                <a16:creationId xmlns:a16="http://schemas.microsoft.com/office/drawing/2014/main" id="{980AB685-CC25-1207-C0F9-C3D3DAE7A2B1}"/>
-              </a:ext>
-            </a:extLst>
-          </p:cNvPr>
-          <p:cNvCxnSpPr>
-            <a:cxnSpLocks/>
-            <a:endCxn id="91" idx="1"/>
-          </p:cNvCxnSpPr>
-          <p:nvPr/>
-        </p:nvCxnSpPr>
-        <p:spPr>
-          <a:xfrm>
-            <a:off x="2592555" y="3423477"/>
-            <a:ext cx="2295146" cy="0"/>
-          </a:xfrm>
-          <a:prstGeom prst="straightConnector1">
-            <a:avLst/>
-          </a:prstGeom>
-          <a:ln>
-            <a:tailEnd type="triangle"/>
-          </a:ln>
-        </p:spPr>
-        <p:style>
-          <a:lnRef idx="1">
-            <a:schemeClr val="accent1"/>
-          </a:lnRef>
-          <a:fillRef idx="0">
-            <a:schemeClr val="accent1"/>
-          </a:fillRef>
-          <a:effectRef idx="0">
-            <a:schemeClr val="accent1"/>
-          </a:effectRef>
-          <a:fontRef idx="minor">
-            <a:schemeClr val="tx1"/>
-          </a:fontRef>
-        </p:style>
-      </p:cxnSp>
-      <p:sp>
-        <p:nvSpPr>
-          <p:cNvPr id="105" name="TextBox 104">
-            <a:extLst>
-              <a:ext uri="{FF2B5EF4-FFF2-40B4-BE49-F238E27FC236}">
-                <a16:creationId xmlns:a16="http://schemas.microsoft.com/office/drawing/2014/main" id="{7C3AC812-EB33-1446-91E6-901DD3A7A88E}"/>
-              </a:ext>
-            </a:extLst>
-          </p:cNvPr>
-          <p:cNvSpPr txBox="1"/>
-          <p:nvPr/>
-        </p:nvSpPr>
-        <p:spPr>
-          <a:xfrm>
-            <a:off x="4887701" y="3794045"/>
-            <a:ext cx="1426684" cy="246221"/>
-          </a:xfrm>
-          <a:prstGeom prst="rect">
-            <a:avLst/>
-          </a:prstGeom>
-          <a:solidFill>
-            <a:schemeClr val="bg2">
-              <a:lumMod val="90000"/>
-            </a:schemeClr>
-          </a:solidFill>
-          <a:ln>
-            <a:solidFill>
-              <a:srgbClr val="0F7ED8"/>
-            </a:solidFill>
-          </a:ln>
-        </p:spPr>
-        <p:txBody>
-          <a:bodyPr wrap="square" rtlCol="0">
-            <a:spAutoFit/>
-          </a:bodyPr>
-          <a:lstStyle/>
-          <a:p>
-            <a:pPr algn="ctr"/>
-            <a:r>
-              <a:rPr lang="en-US" sz="1000" dirty="0"/>
-              <a:t>Kustomization object</a:t>
-            </a:r>
-          </a:p>
-        </p:txBody>
-      </p:sp>
-      <p:cxnSp>
-        <p:nvCxnSpPr>
-          <p:cNvPr id="107" name="Straight Arrow Connector 106">
-            <a:extLst>
-              <a:ext uri="{FF2B5EF4-FFF2-40B4-BE49-F238E27FC236}">
-                <a16:creationId xmlns:a16="http://schemas.microsoft.com/office/drawing/2014/main" id="{BD99A8BB-37AA-4EEB-861C-0BDB1CC16779}"/>
-              </a:ext>
-            </a:extLst>
-          </p:cNvPr>
-          <p:cNvCxnSpPr>
-            <a:cxnSpLocks/>
-            <a:endCxn id="105" idx="1"/>
-          </p:cNvCxnSpPr>
-          <p:nvPr/>
-        </p:nvCxnSpPr>
-        <p:spPr>
-          <a:xfrm>
-            <a:off x="3307003" y="3917155"/>
-            <a:ext cx="1580698" cy="1"/>
-          </a:xfrm>
-          <a:prstGeom prst="straightConnector1">
-            <a:avLst/>
-          </a:prstGeom>
-          <a:ln>
-            <a:tailEnd type="triangle"/>
-          </a:ln>
-        </p:spPr>
-        <p:style>
-          <a:lnRef idx="1">
-            <a:schemeClr val="accent1"/>
-          </a:lnRef>
-          <a:fillRef idx="0">
-            <a:schemeClr val="accent1"/>
-          </a:fillRef>
-          <a:effectRef idx="0">
-            <a:schemeClr val="accent1"/>
-          </a:effectRef>
-          <a:fontRef idx="minor">
-            <a:schemeClr val="tx1"/>
-          </a:fontRef>
-        </p:style>
-      </p:cxnSp>
-      <p:sp>
-        <p:nvSpPr>
-          <p:cNvPr id="109" name="TextBox 108">
-            <a:extLst>
-              <a:ext uri="{FF2B5EF4-FFF2-40B4-BE49-F238E27FC236}">
-                <a16:creationId xmlns:a16="http://schemas.microsoft.com/office/drawing/2014/main" id="{F775531A-5B8D-1DDF-FAE1-3067857D6D7E}"/>
-              </a:ext>
-            </a:extLst>
-          </p:cNvPr>
-          <p:cNvSpPr txBox="1"/>
-          <p:nvPr/>
-        </p:nvSpPr>
-        <p:spPr>
-          <a:xfrm>
-            <a:off x="4887701" y="4039087"/>
-            <a:ext cx="1704486" cy="246221"/>
-          </a:xfrm>
-          <a:prstGeom prst="rect">
-            <a:avLst/>
-          </a:prstGeom>
-          <a:solidFill>
-            <a:schemeClr val="bg2">
-              <a:lumMod val="90000"/>
-            </a:schemeClr>
-          </a:solidFill>
-          <a:ln>
-            <a:solidFill>
-              <a:srgbClr val="0F7ED8"/>
-            </a:solidFill>
-          </a:ln>
-        </p:spPr>
-        <p:txBody>
-          <a:bodyPr wrap="square" rtlCol="0">
-            <a:spAutoFit/>
-          </a:bodyPr>
-          <a:lstStyle/>
-          <a:p>
-            <a:pPr algn="ctr"/>
-            <a:r>
-              <a:rPr lang="en-US" sz="1000" dirty="0"/>
-              <a:t>HelmRelease override object</a:t>
-            </a:r>
-          </a:p>
-        </p:txBody>
-      </p:sp>
-      <p:cxnSp>
-        <p:nvCxnSpPr>
-          <p:cNvPr id="111" name="Straight Arrow Connector 110">
-            <a:extLst>
-              <a:ext uri="{FF2B5EF4-FFF2-40B4-BE49-F238E27FC236}">
-                <a16:creationId xmlns:a16="http://schemas.microsoft.com/office/drawing/2014/main" id="{735458A0-04CB-5F78-DA3A-0D78D63D07EB}"/>
-              </a:ext>
-            </a:extLst>
-          </p:cNvPr>
-          <p:cNvCxnSpPr>
-            <a:cxnSpLocks/>
-            <a:endCxn id="109" idx="1"/>
-          </p:cNvCxnSpPr>
-          <p:nvPr/>
-        </p:nvCxnSpPr>
-        <p:spPr>
-          <a:xfrm>
-            <a:off x="2488758" y="4162198"/>
-            <a:ext cx="2398943" cy="0"/>
-          </a:xfrm>
-          <a:prstGeom prst="straightConnector1">
-            <a:avLst/>
-          </a:prstGeom>
-          <a:ln>
-            <a:tailEnd type="triangle"/>
-          </a:ln>
-        </p:spPr>
-        <p:style>
-          <a:lnRef idx="1">
-            <a:schemeClr val="accent1"/>
-          </a:lnRef>
-          <a:fillRef idx="0">
-            <a:schemeClr val="accent1"/>
-          </a:fillRef>
-          <a:effectRef idx="0">
-            <a:schemeClr val="accent1"/>
-          </a:effectRef>
-          <a:fontRef idx="minor">
-            <a:schemeClr val="tx1"/>
-          </a:fontRef>
-        </p:style>
-      </p:cxnSp>
-      <p:sp>
-        <p:nvSpPr>
-          <p:cNvPr id="116" name="TextBox 115">
-            <a:extLst>
-              <a:ext uri="{FF2B5EF4-FFF2-40B4-BE49-F238E27FC236}">
-                <a16:creationId xmlns:a16="http://schemas.microsoft.com/office/drawing/2014/main" id="{3915EB5A-B65F-D629-5058-13E658C3335A}"/>
-              </a:ext>
-            </a:extLst>
-          </p:cNvPr>
-          <p:cNvSpPr txBox="1"/>
-          <p:nvPr/>
-        </p:nvSpPr>
-        <p:spPr>
-          <a:xfrm>
-            <a:off x="4888441" y="4762096"/>
-            <a:ext cx="1426684" cy="246221"/>
-          </a:xfrm>
-          <a:prstGeom prst="rect">
-            <a:avLst/>
-          </a:prstGeom>
-          <a:solidFill>
-            <a:schemeClr val="bg2">
-              <a:lumMod val="90000"/>
-            </a:schemeClr>
-          </a:solidFill>
-          <a:ln>
-            <a:solidFill>
-              <a:srgbClr val="0F7ED8"/>
-            </a:solidFill>
-          </a:ln>
-        </p:spPr>
-        <p:txBody>
-          <a:bodyPr wrap="square" rtlCol="0">
-            <a:spAutoFit/>
-          </a:bodyPr>
-          <a:lstStyle/>
-          <a:p>
-            <a:pPr algn="ctr"/>
-            <a:r>
-              <a:rPr lang="en-US" sz="1000" dirty="0"/>
-              <a:t>Kustomization object</a:t>
-            </a:r>
-          </a:p>
-        </p:txBody>
-      </p:sp>
-      <p:cxnSp>
-        <p:nvCxnSpPr>
-          <p:cNvPr id="118" name="Straight Arrow Connector 117">
-            <a:extLst>
-              <a:ext uri="{FF2B5EF4-FFF2-40B4-BE49-F238E27FC236}">
-                <a16:creationId xmlns:a16="http://schemas.microsoft.com/office/drawing/2014/main" id="{4B8E3AA5-87B4-FBB8-3E90-14CD3DE95F4B}"/>
-              </a:ext>
-            </a:extLst>
-          </p:cNvPr>
-          <p:cNvCxnSpPr>
-            <a:cxnSpLocks/>
-            <a:endCxn id="116" idx="1"/>
-          </p:cNvCxnSpPr>
-          <p:nvPr/>
-        </p:nvCxnSpPr>
-        <p:spPr>
-          <a:xfrm>
-            <a:off x="3307743" y="4885206"/>
-            <a:ext cx="1580698" cy="1"/>
-          </a:xfrm>
-          <a:prstGeom prst="straightConnector1">
-            <a:avLst/>
-          </a:prstGeom>
-          <a:ln>
-            <a:tailEnd type="triangle"/>
-          </a:ln>
-        </p:spPr>
-        <p:style>
-          <a:lnRef idx="1">
-            <a:schemeClr val="accent1"/>
-          </a:lnRef>
-          <a:fillRef idx="0">
-            <a:schemeClr val="accent1"/>
-          </a:fillRef>
-          <a:effectRef idx="0">
-            <a:schemeClr val="accent1"/>
-          </a:effectRef>
-          <a:fontRef idx="minor">
-            <a:schemeClr val="tx1"/>
-          </a:fontRef>
-        </p:style>
-      </p:cxnSp>
-      <p:sp>
-        <p:nvSpPr>
-          <p:cNvPr id="120" name="TextBox 119">
-            <a:extLst>
-              <a:ext uri="{FF2B5EF4-FFF2-40B4-BE49-F238E27FC236}">
-                <a16:creationId xmlns:a16="http://schemas.microsoft.com/office/drawing/2014/main" id="{BEF019CC-AF1A-265D-DA49-0D0C851CD250}"/>
-              </a:ext>
-            </a:extLst>
-          </p:cNvPr>
-          <p:cNvSpPr txBox="1"/>
-          <p:nvPr/>
-        </p:nvSpPr>
-        <p:spPr>
-          <a:xfrm>
-            <a:off x="4888441" y="5007138"/>
-            <a:ext cx="1426684" cy="246221"/>
-          </a:xfrm>
-          <a:prstGeom prst="rect">
-            <a:avLst/>
-          </a:prstGeom>
-          <a:solidFill>
-            <a:schemeClr val="bg2">
-              <a:lumMod val="90000"/>
-            </a:schemeClr>
-          </a:solidFill>
-          <a:ln>
-            <a:solidFill>
-              <a:srgbClr val="0F7ED8"/>
-            </a:solidFill>
-          </a:ln>
-        </p:spPr>
-        <p:txBody>
-          <a:bodyPr wrap="square" rtlCol="0">
-            <a:spAutoFit/>
-          </a:bodyPr>
-          <a:lstStyle/>
-          <a:p>
-            <a:pPr algn="ctr"/>
-            <a:r>
-              <a:rPr lang="en-US" sz="1000" dirty="0"/>
-              <a:t>Namespace object</a:t>
-            </a:r>
-          </a:p>
-        </p:txBody>
-      </p:sp>
-      <p:cxnSp>
-        <p:nvCxnSpPr>
-          <p:cNvPr id="122" name="Straight Arrow Connector 121">
-            <a:extLst>
-              <a:ext uri="{FF2B5EF4-FFF2-40B4-BE49-F238E27FC236}">
-                <a16:creationId xmlns:a16="http://schemas.microsoft.com/office/drawing/2014/main" id="{F6F4DBAF-4E90-6DFB-647B-BB73F6447FFA}"/>
-              </a:ext>
-            </a:extLst>
-          </p:cNvPr>
-          <p:cNvCxnSpPr>
-            <a:cxnSpLocks/>
-            <a:endCxn id="120" idx="1"/>
-          </p:cNvCxnSpPr>
-          <p:nvPr/>
-        </p:nvCxnSpPr>
-        <p:spPr>
-          <a:xfrm>
-            <a:off x="2854518" y="5130249"/>
-            <a:ext cx="2033923" cy="0"/>
-          </a:xfrm>
-          <a:prstGeom prst="straightConnector1">
-            <a:avLst/>
-          </a:prstGeom>
-          <a:ln>
-            <a:tailEnd type="triangle"/>
-          </a:ln>
-        </p:spPr>
-        <p:style>
-          <a:lnRef idx="1">
-            <a:schemeClr val="accent1"/>
-          </a:lnRef>
-          <a:fillRef idx="0">
-            <a:schemeClr val="accent1"/>
-          </a:fillRef>
-          <a:effectRef idx="0">
-            <a:schemeClr val="accent1"/>
-          </a:effectRef>
-          <a:fontRef idx="minor">
-            <a:schemeClr val="tx1"/>
-          </a:fontRef>
-        </p:style>
-      </p:cxnSp>
-      <p:sp>
-        <p:nvSpPr>
-          <p:cNvPr id="124" name="TextBox 123">
-            <a:extLst>
-              <a:ext uri="{FF2B5EF4-FFF2-40B4-BE49-F238E27FC236}">
-                <a16:creationId xmlns:a16="http://schemas.microsoft.com/office/drawing/2014/main" id="{16FC78AA-2B87-BCDB-B681-733CD68A0E4D}"/>
-              </a:ext>
-            </a:extLst>
-          </p:cNvPr>
-          <p:cNvSpPr txBox="1"/>
-          <p:nvPr/>
-        </p:nvSpPr>
-        <p:spPr>
-          <a:xfrm>
-            <a:off x="4887701" y="5254597"/>
-            <a:ext cx="1426684" cy="246221"/>
-          </a:xfrm>
-          <a:prstGeom prst="rect">
-            <a:avLst/>
-          </a:prstGeom>
-          <a:solidFill>
-            <a:schemeClr val="bg2">
-              <a:lumMod val="90000"/>
-            </a:schemeClr>
-          </a:solidFill>
-          <a:ln>
-            <a:solidFill>
-              <a:srgbClr val="0F7ED8"/>
-            </a:solidFill>
-          </a:ln>
-        </p:spPr>
-        <p:txBody>
-          <a:bodyPr wrap="square" rtlCol="0">
-            <a:spAutoFit/>
-          </a:bodyPr>
-          <a:lstStyle/>
-          <a:p>
-            <a:pPr algn="ctr"/>
-            <a:r>
-              <a:rPr lang="en-US" sz="1000" dirty="0"/>
-              <a:t>HelmRelease object</a:t>
-            </a:r>
-          </a:p>
-        </p:txBody>
-      </p:sp>
-      <p:cxnSp>
-        <p:nvCxnSpPr>
-          <p:cNvPr id="126" name="Straight Arrow Connector 125">
-            <a:extLst>
-              <a:ext uri="{FF2B5EF4-FFF2-40B4-BE49-F238E27FC236}">
-                <a16:creationId xmlns:a16="http://schemas.microsoft.com/office/drawing/2014/main" id="{3B93FED6-1AE6-0761-C666-EA7375CBAA83}"/>
-              </a:ext>
-            </a:extLst>
-          </p:cNvPr>
-          <p:cNvCxnSpPr>
-            <a:cxnSpLocks/>
-            <a:endCxn id="124" idx="1"/>
-          </p:cNvCxnSpPr>
-          <p:nvPr/>
-        </p:nvCxnSpPr>
-        <p:spPr>
-          <a:xfrm>
-            <a:off x="2592555" y="5377708"/>
-            <a:ext cx="2295146" cy="0"/>
-          </a:xfrm>
-          <a:prstGeom prst="straightConnector1">
-            <a:avLst/>
-          </a:prstGeom>
-          <a:ln>
-            <a:tailEnd type="triangle"/>
-          </a:ln>
-        </p:spPr>
-        <p:style>
-          <a:lnRef idx="1">
-            <a:schemeClr val="accent1"/>
-          </a:lnRef>
-          <a:fillRef idx="0">
-            <a:schemeClr val="accent1"/>
-          </a:fillRef>
-          <a:effectRef idx="0">
-            <a:schemeClr val="accent1"/>
-          </a:effectRef>
-          <a:fontRef idx="minor">
-            <a:schemeClr val="tx1"/>
-          </a:fontRef>
-        </p:style>
-      </p:cxnSp>
     </p:spTree>
     <p:extLst>
       <p:ext uri="{BB962C8B-B14F-4D97-AF65-F5344CB8AC3E}">
-        <p14:creationId xmlns:p14="http://schemas.microsoft.com/office/powerpoint/2010/main" val="1830408425"/>
+        <p14:creationId xmlns:p14="http://schemas.microsoft.com/office/powerpoint/2010/main" val="2020454332"/>
       </p:ext>
     </p:extLst>
   </p:cSld>

--- a/docs/images.pptx
+++ b/docs/images.pptx
@@ -8,7 +8,6 @@
     <p:sldId id="256" r:id="rId2"/>
     <p:sldId id="257" r:id="rId3"/>
     <p:sldId id="258" r:id="rId4"/>
-    <p:sldId id="260" r:id="rId5"/>
   </p:sldIdLst>
   <p:sldSz cx="12192000" cy="6858000"/>
   <p:notesSz cx="6858000" cy="9144000"/>
@@ -6448,7 +6447,7 @@
               <a:pPr algn="ctr"/>
               <a:r>
                 <a:rPr lang="en-US" sz="900" dirty="0"/>
-                <a:t>Web App Service</a:t>
+                <a:t>Voting App Service</a:t>
               </a:r>
             </a:p>
           </p:txBody>
@@ -7669,7 +7668,7 @@
               <a:pPr algn="ctr"/>
               <a:r>
                 <a:rPr lang="en-US" sz="900" dirty="0"/>
-                <a:t>Web App Service</a:t>
+                <a:t>Voting App Service</a:t>
               </a:r>
             </a:p>
           </p:txBody>
@@ -8890,7 +8889,7 @@
               <a:pPr algn="ctr"/>
               <a:r>
                 <a:rPr lang="en-US" sz="900" dirty="0"/>
-                <a:t>Web App Service</a:t>
+                <a:t>Voting App Service</a:t>
               </a:r>
             </a:p>
           </p:txBody>
@@ -9847,401 +9846,6 @@
     <p:extLst>
       <p:ext uri="{BB962C8B-B14F-4D97-AF65-F5344CB8AC3E}">
         <p14:creationId xmlns:p14="http://schemas.microsoft.com/office/powerpoint/2010/main" val="2131128413"/>
-      </p:ext>
-    </p:extLst>
-  </p:cSld>
-  <p:clrMapOvr>
-    <a:masterClrMapping/>
-  </p:clrMapOvr>
-</p:sld>
-</file>
-
-<file path=ppt/slides/slide4.xml><?xml version="1.0" encoding="utf-8"?>
-<p:sld xmlns:a="http://schemas.openxmlformats.org/drawingml/2006/main" xmlns:r="http://schemas.openxmlformats.org/officeDocument/2006/relationships" xmlns:p="http://schemas.openxmlformats.org/presentationml/2006/main">
-  <p:cSld>
-    <p:spTree>
-      <p:nvGrpSpPr>
-        <p:cNvPr id="1" name=""/>
-        <p:cNvGrpSpPr/>
-        <p:nvPr/>
-      </p:nvGrpSpPr>
-      <p:grpSpPr>
-        <a:xfrm>
-          <a:off x="0" y="0"/>
-          <a:ext cx="0" cy="0"/>
-          <a:chOff x="0" y="0"/>
-          <a:chExt cx="0" cy="0"/>
-        </a:xfrm>
-      </p:grpSpPr>
-      <p:sp>
-        <p:nvSpPr>
-          <p:cNvPr id="16" name="TextBox 15">
-            <a:extLst>
-              <a:ext uri="{FF2B5EF4-FFF2-40B4-BE49-F238E27FC236}">
-                <a16:creationId xmlns:a16="http://schemas.microsoft.com/office/drawing/2014/main" id="{D7543259-5F7B-15CD-15F3-70DB7C496F62}"/>
-              </a:ext>
-            </a:extLst>
-          </p:cNvPr>
-          <p:cNvSpPr txBox="1"/>
-          <p:nvPr/>
-        </p:nvSpPr>
-        <p:spPr>
-          <a:xfrm>
-            <a:off x="377509" y="209169"/>
-            <a:ext cx="4231067" cy="6124754"/>
-          </a:xfrm>
-          <a:prstGeom prst="rect">
-            <a:avLst/>
-          </a:prstGeom>
-          <a:noFill/>
-        </p:spPr>
-        <p:txBody>
-          <a:bodyPr wrap="square">
-            <a:spAutoFit/>
-          </a:bodyPr>
-          <a:lstStyle/>
-          <a:p>
-            <a:r>
-              <a:rPr lang="en-US" sz="1400" b="0" dirty="0">
-                <a:solidFill>
-                  <a:schemeClr val="tx2"/>
-                </a:solidFill>
-                <a:effectLst/>
-                <a:latin typeface="Consolas" panose="020B0609020204030204" pitchFamily="49" charset="0"/>
-              </a:rPr>
-              <a:t>aks-playground/</a:t>
-            </a:r>
-          </a:p>
-          <a:p>
-            <a:r>
-              <a:rPr lang="en-US" sz="1400" b="0" dirty="0">
-                <a:solidFill>
-                  <a:schemeClr val="tx2"/>
-                </a:solidFill>
-                <a:effectLst/>
-                <a:latin typeface="Consolas" panose="020B0609020204030204" pitchFamily="49" charset="0"/>
-              </a:rPr>
-              <a:t>├── apps</a:t>
-            </a:r>
-          </a:p>
-          <a:p>
-            <a:r>
-              <a:rPr lang="en-US" sz="1400" b="0" dirty="0">
-                <a:solidFill>
-                  <a:schemeClr val="tx2"/>
-                </a:solidFill>
-                <a:effectLst/>
-                <a:latin typeface="Consolas" panose="020B0609020204030204" pitchFamily="49" charset="0"/>
-              </a:rPr>
-              <a:t>│   ├── kustomization.yaml</a:t>
-            </a:r>
-          </a:p>
-          <a:p>
-            <a:r>
-              <a:rPr lang="en-US" sz="1400" b="0" dirty="0">
-                <a:solidFill>
-                  <a:schemeClr val="tx2"/>
-                </a:solidFill>
-                <a:effectLst/>
-                <a:latin typeface="Consolas" panose="020B0609020204030204" pitchFamily="49" charset="0"/>
-              </a:rPr>
-              <a:t>│   └── voteapp</a:t>
-            </a:r>
-          </a:p>
-          <a:p>
-            <a:r>
-              <a:rPr lang="en-US" sz="1400" b="0" dirty="0">
-                <a:solidFill>
-                  <a:schemeClr val="tx2"/>
-                </a:solidFill>
-                <a:effectLst/>
-                <a:latin typeface="Consolas" panose="020B0609020204030204" pitchFamily="49" charset="0"/>
-              </a:rPr>
-              <a:t>│       ├── kustomization.yaml</a:t>
-            </a:r>
-          </a:p>
-          <a:p>
-            <a:r>
-              <a:rPr lang="en-US" sz="1400" b="0" dirty="0">
-                <a:solidFill>
-                  <a:schemeClr val="tx2"/>
-                </a:solidFill>
-                <a:effectLst/>
-                <a:latin typeface="Consolas" panose="020B0609020204030204" pitchFamily="49" charset="0"/>
-              </a:rPr>
-              <a:t>│       ├── namespace.yaml</a:t>
-            </a:r>
-          </a:p>
-          <a:p>
-            <a:r>
-              <a:rPr lang="en-US" sz="1400" b="0" dirty="0">
-                <a:solidFill>
-                  <a:schemeClr val="tx2"/>
-                </a:solidFill>
-                <a:effectLst/>
-                <a:latin typeface="Consolas" panose="020B0609020204030204" pitchFamily="49" charset="0"/>
-              </a:rPr>
-              <a:t>│       └── release.yaml</a:t>
-            </a:r>
-          </a:p>
-          <a:p>
-            <a:r>
-              <a:rPr lang="en-US" sz="1400" b="0" dirty="0">
-                <a:solidFill>
-                  <a:schemeClr val="tx2"/>
-                </a:solidFill>
-                <a:effectLst/>
-                <a:latin typeface="Consolas" panose="020B0609020204030204" pitchFamily="49" charset="0"/>
-              </a:rPr>
-              <a:t>└── infrastructure</a:t>
-            </a:r>
-          </a:p>
-          <a:p>
-            <a:r>
-              <a:rPr lang="en-US" sz="1400" b="0" dirty="0">
-                <a:solidFill>
-                  <a:schemeClr val="tx2"/>
-                </a:solidFill>
-                <a:effectLst/>
-                <a:latin typeface="Consolas" panose="020B0609020204030204" pitchFamily="49" charset="0"/>
-              </a:rPr>
-              <a:t>    ├── ingress-nginx</a:t>
-            </a:r>
-          </a:p>
-          <a:p>
-            <a:r>
-              <a:rPr lang="en-US" sz="1400" b="0" dirty="0">
-                <a:solidFill>
-                  <a:schemeClr val="tx2"/>
-                </a:solidFill>
-                <a:effectLst/>
-                <a:latin typeface="Consolas" panose="020B0609020204030204" pitchFamily="49" charset="0"/>
-              </a:rPr>
-              <a:t>    │   ├── chart</a:t>
-            </a:r>
-          </a:p>
-          <a:p>
-            <a:r>
-              <a:rPr lang="en-US" sz="1400" b="0" dirty="0">
-                <a:solidFill>
-                  <a:schemeClr val="tx2"/>
-                </a:solidFill>
-                <a:effectLst/>
-                <a:latin typeface="Consolas" panose="020B0609020204030204" pitchFamily="49" charset="0"/>
-              </a:rPr>
-              <a:t>    │   ├── k3s-e329c2b1-1</a:t>
-            </a:r>
-          </a:p>
-          <a:p>
-            <a:r>
-              <a:rPr lang="en-US" sz="1400" b="0" dirty="0">
-                <a:solidFill>
-                  <a:schemeClr val="tx2"/>
-                </a:solidFill>
-                <a:effectLst/>
-                <a:latin typeface="Consolas" panose="020B0609020204030204" pitchFamily="49" charset="0"/>
-              </a:rPr>
-              <a:t>    │   │   ├── kustomization.yaml</a:t>
-            </a:r>
-          </a:p>
-          <a:p>
-            <a:r>
-              <a:rPr lang="en-US" sz="1400" b="0" dirty="0">
-                <a:solidFill>
-                  <a:schemeClr val="tx2"/>
-                </a:solidFill>
-                <a:effectLst/>
-                <a:latin typeface="Consolas" panose="020B0609020204030204" pitchFamily="49" charset="0"/>
-              </a:rPr>
-              <a:t>    │   │   └── values.yaml</a:t>
-            </a:r>
-          </a:p>
-          <a:p>
-            <a:r>
-              <a:rPr lang="en-US" sz="1400" b="0" dirty="0">
-                <a:solidFill>
-                  <a:schemeClr val="tx2"/>
-                </a:solidFill>
-                <a:effectLst/>
-                <a:latin typeface="Consolas" panose="020B0609020204030204" pitchFamily="49" charset="0"/>
-              </a:rPr>
-              <a:t>    │   ├── kustomization.yaml</a:t>
-            </a:r>
-          </a:p>
-          <a:p>
-            <a:r>
-              <a:rPr lang="en-US" sz="1400" b="0" dirty="0">
-                <a:solidFill>
-                  <a:schemeClr val="tx2"/>
-                </a:solidFill>
-                <a:effectLst/>
-                <a:latin typeface="Consolas" panose="020B0609020204030204" pitchFamily="49" charset="0"/>
-              </a:rPr>
-              <a:t>    │   ├── namespace.yaml</a:t>
-            </a:r>
-          </a:p>
-          <a:p>
-            <a:r>
-              <a:rPr lang="en-US" sz="1400" b="0" dirty="0">
-                <a:solidFill>
-                  <a:schemeClr val="tx2"/>
-                </a:solidFill>
-                <a:effectLst/>
-                <a:latin typeface="Consolas" panose="020B0609020204030204" pitchFamily="49" charset="0"/>
-              </a:rPr>
-              <a:t>    │   └── release.yaml</a:t>
-            </a:r>
-          </a:p>
-          <a:p>
-            <a:r>
-              <a:rPr lang="en-US" sz="1400" b="0" dirty="0">
-                <a:solidFill>
-                  <a:schemeClr val="tx2"/>
-                </a:solidFill>
-                <a:effectLst/>
-                <a:latin typeface="Consolas" panose="020B0609020204030204" pitchFamily="49" charset="0"/>
-              </a:rPr>
-              <a:t>    ├── kustomization.yaml</a:t>
-            </a:r>
-          </a:p>
-          <a:p>
-            <a:r>
-              <a:rPr lang="en-US" sz="1400" b="0" dirty="0">
-                <a:solidFill>
-                  <a:schemeClr val="tx2"/>
-                </a:solidFill>
-                <a:effectLst/>
-                <a:latin typeface="Consolas" panose="020B0609020204030204" pitchFamily="49" charset="0"/>
-              </a:rPr>
-              <a:t>    ├── redis</a:t>
-            </a:r>
-          </a:p>
-          <a:p>
-            <a:r>
-              <a:rPr lang="en-US" sz="1400" b="0" dirty="0">
-                <a:solidFill>
-                  <a:schemeClr val="tx2"/>
-                </a:solidFill>
-                <a:effectLst/>
-                <a:latin typeface="Consolas" panose="020B0609020204030204" pitchFamily="49" charset="0"/>
-              </a:rPr>
-              <a:t>    │   ├── kustomization.yaml</a:t>
-            </a:r>
-          </a:p>
-          <a:p>
-            <a:r>
-              <a:rPr lang="en-US" sz="1400" b="0" dirty="0">
-                <a:solidFill>
-                  <a:schemeClr val="tx2"/>
-                </a:solidFill>
-                <a:effectLst/>
-                <a:latin typeface="Consolas" panose="020B0609020204030204" pitchFamily="49" charset="0"/>
-              </a:rPr>
-              <a:t>    │   ├── kustomizeconfig.yaml</a:t>
-            </a:r>
-          </a:p>
-          <a:p>
-            <a:r>
-              <a:rPr lang="en-US" sz="1400" b="0" dirty="0">
-                <a:solidFill>
-                  <a:schemeClr val="tx2"/>
-                </a:solidFill>
-                <a:effectLst/>
-                <a:latin typeface="Consolas" panose="020B0609020204030204" pitchFamily="49" charset="0"/>
-              </a:rPr>
-              <a:t>    │   ├── namespace.yaml</a:t>
-            </a:r>
-          </a:p>
-          <a:p>
-            <a:r>
-              <a:rPr lang="en-US" sz="1400" b="0" dirty="0">
-                <a:solidFill>
-                  <a:schemeClr val="tx2"/>
-                </a:solidFill>
-                <a:effectLst/>
-                <a:latin typeface="Consolas" panose="020B0609020204030204" pitchFamily="49" charset="0"/>
-              </a:rPr>
-              <a:t>    │   ├── release.yaml</a:t>
-            </a:r>
-          </a:p>
-          <a:p>
-            <a:r>
-              <a:rPr lang="en-US" sz="1400" b="0" dirty="0">
-                <a:solidFill>
-                  <a:schemeClr val="tx2"/>
-                </a:solidFill>
-                <a:effectLst/>
-                <a:latin typeface="Consolas" panose="020B0609020204030204" pitchFamily="49" charset="0"/>
-              </a:rPr>
-              <a:t>    │   └── values.yaml</a:t>
-            </a:r>
-          </a:p>
-          <a:p>
-            <a:r>
-              <a:rPr lang="en-US" sz="1400" b="0" dirty="0">
-                <a:solidFill>
-                  <a:schemeClr val="tx2"/>
-                </a:solidFill>
-                <a:effectLst/>
-                <a:latin typeface="Consolas" panose="020B0609020204030204" pitchFamily="49" charset="0"/>
-              </a:rPr>
-              <a:t>    └── sources</a:t>
-            </a:r>
-          </a:p>
-          <a:p>
-            <a:r>
-              <a:rPr lang="en-US" sz="1400" b="0" dirty="0">
-                <a:solidFill>
-                  <a:schemeClr val="tx2"/>
-                </a:solidFill>
-                <a:effectLst/>
-                <a:latin typeface="Consolas" panose="020B0609020204030204" pitchFamily="49" charset="0"/>
-              </a:rPr>
-              <a:t>        ├── bitnami.yaml</a:t>
-            </a:r>
-          </a:p>
-          <a:p>
-            <a:r>
-              <a:rPr lang="en-US" sz="1400" b="0" dirty="0">
-                <a:solidFill>
-                  <a:schemeClr val="tx2"/>
-                </a:solidFill>
-                <a:effectLst/>
-                <a:latin typeface="Consolas" panose="020B0609020204030204" pitchFamily="49" charset="0"/>
-              </a:rPr>
-              <a:t>        ├── ingress-nginx.yaml</a:t>
-            </a:r>
-          </a:p>
-          <a:p>
-            <a:r>
-              <a:rPr lang="en-US" sz="1400" b="0" dirty="0">
-                <a:solidFill>
-                  <a:schemeClr val="tx2"/>
-                </a:solidFill>
-                <a:effectLst/>
-                <a:latin typeface="Consolas" panose="020B0609020204030204" pitchFamily="49" charset="0"/>
-              </a:rPr>
-              <a:t>        ├── voteapp.yaml</a:t>
-            </a:r>
-          </a:p>
-          <a:p>
-            <a:r>
-              <a:rPr lang="en-US" sz="1400" b="0" dirty="0">
-                <a:solidFill>
-                  <a:schemeClr val="tx2"/>
-                </a:solidFill>
-                <a:effectLst/>
-                <a:latin typeface="Consolas" panose="020B0609020204030204" pitchFamily="49" charset="0"/>
-              </a:rPr>
-              <a:t>        └── kustomization.yaml</a:t>
-            </a:r>
-          </a:p>
-        </p:txBody>
-      </p:sp>
-    </p:spTree>
-    <p:extLst>
-      <p:ext uri="{BB962C8B-B14F-4D97-AF65-F5344CB8AC3E}">
-        <p14:creationId xmlns:p14="http://schemas.microsoft.com/office/powerpoint/2010/main" val="2020454332"/>
       </p:ext>
     </p:extLst>
   </p:cSld>
